--- a/async-await.pptx
+++ b/async-await.pptx
@@ -5,31 +5,32 @@
     <p:sldMasterId id="2147483660" r:id="rId2"/>
   </p:sldMasterIdLst>
   <p:notesMasterIdLst>
-    <p:notesMasterId r:id="rId25"/>
+    <p:notesMasterId r:id="rId26"/>
   </p:notesMasterIdLst>
   <p:sldIdLst>
     <p:sldId id="256" r:id="rId3"/>
     <p:sldId id="282" r:id="rId4"/>
     <p:sldId id="292" r:id="rId5"/>
-    <p:sldId id="262" r:id="rId6"/>
-    <p:sldId id="294" r:id="rId7"/>
-    <p:sldId id="278" r:id="rId8"/>
-    <p:sldId id="257" r:id="rId9"/>
-    <p:sldId id="293" r:id="rId10"/>
-    <p:sldId id="284" r:id="rId11"/>
-    <p:sldId id="286" r:id="rId12"/>
-    <p:sldId id="287" r:id="rId13"/>
-    <p:sldId id="288" r:id="rId14"/>
-    <p:sldId id="289" r:id="rId15"/>
-    <p:sldId id="290" r:id="rId16"/>
-    <p:sldId id="295" r:id="rId17"/>
-    <p:sldId id="296" r:id="rId18"/>
-    <p:sldId id="297" r:id="rId19"/>
-    <p:sldId id="298" r:id="rId20"/>
-    <p:sldId id="299" r:id="rId21"/>
-    <p:sldId id="300" r:id="rId22"/>
-    <p:sldId id="301" r:id="rId23"/>
-    <p:sldId id="302" r:id="rId24"/>
+    <p:sldId id="303" r:id="rId6"/>
+    <p:sldId id="262" r:id="rId7"/>
+    <p:sldId id="294" r:id="rId8"/>
+    <p:sldId id="278" r:id="rId9"/>
+    <p:sldId id="257" r:id="rId10"/>
+    <p:sldId id="293" r:id="rId11"/>
+    <p:sldId id="284" r:id="rId12"/>
+    <p:sldId id="286" r:id="rId13"/>
+    <p:sldId id="287" r:id="rId14"/>
+    <p:sldId id="288" r:id="rId15"/>
+    <p:sldId id="289" r:id="rId16"/>
+    <p:sldId id="290" r:id="rId17"/>
+    <p:sldId id="295" r:id="rId18"/>
+    <p:sldId id="296" r:id="rId19"/>
+    <p:sldId id="297" r:id="rId20"/>
+    <p:sldId id="298" r:id="rId21"/>
+    <p:sldId id="299" r:id="rId22"/>
+    <p:sldId id="300" r:id="rId23"/>
+    <p:sldId id="301" r:id="rId24"/>
+    <p:sldId id="302" r:id="rId25"/>
   </p:sldIdLst>
   <p:sldSz cx="12192000" cy="6858000"/>
   <p:notesSz cx="6858000" cy="9144000"/>
@@ -140,6 +141,7 @@
           <p14:sldIdLst>
             <p14:sldId id="282"/>
             <p14:sldId id="292"/>
+            <p14:sldId id="303"/>
             <p14:sldId id="262"/>
             <p14:sldId id="294"/>
             <p14:sldId id="278"/>
@@ -273,7 +275,7 @@
           <a:p>
             <a:fld id="{EC13577B-6902-467D-A26C-08A0DD5E4E03}" type="datetimeFigureOut">
               <a:rPr lang="en-US" smtClean="0"/>
-              <a:t>4/15/2017</a:t>
+              <a:t>4/19/2017</a:t>
             </a:fld>
             <a:endParaRPr lang="en-US"/>
           </a:p>
@@ -703,7 +705,7 @@
     </p:spTree>
     <p:extLst>
       <p:ext uri="{BB962C8B-B14F-4D97-AF65-F5344CB8AC3E}">
-        <p14:creationId xmlns:p14="http://schemas.microsoft.com/office/powerpoint/2010/main" val="141219833"/>
+        <p14:creationId xmlns:p14="http://schemas.microsoft.com/office/powerpoint/2010/main" val="2031790425"/>
       </p:ext>
     </p:extLst>
   </p:cSld>
@@ -787,7 +789,7 @@
     </p:spTree>
     <p:extLst>
       <p:ext uri="{BB962C8B-B14F-4D97-AF65-F5344CB8AC3E}">
-        <p14:creationId xmlns:p14="http://schemas.microsoft.com/office/powerpoint/2010/main" val="1684639702"/>
+        <p14:creationId xmlns:p14="http://schemas.microsoft.com/office/powerpoint/2010/main" val="141219833"/>
       </p:ext>
     </p:extLst>
   </p:cSld>
@@ -871,7 +873,7 @@
     </p:spTree>
     <p:extLst>
       <p:ext uri="{BB962C8B-B14F-4D97-AF65-F5344CB8AC3E}">
-        <p14:creationId xmlns:p14="http://schemas.microsoft.com/office/powerpoint/2010/main" val="138594138"/>
+        <p14:creationId xmlns:p14="http://schemas.microsoft.com/office/powerpoint/2010/main" val="1684639702"/>
       </p:ext>
     </p:extLst>
   </p:cSld>
@@ -955,7 +957,7 @@
     </p:spTree>
     <p:extLst>
       <p:ext uri="{BB962C8B-B14F-4D97-AF65-F5344CB8AC3E}">
-        <p14:creationId xmlns:p14="http://schemas.microsoft.com/office/powerpoint/2010/main" val="840791653"/>
+        <p14:creationId xmlns:p14="http://schemas.microsoft.com/office/powerpoint/2010/main" val="138594138"/>
       </p:ext>
     </p:extLst>
   </p:cSld>
@@ -1039,7 +1041,7 @@
     </p:spTree>
     <p:extLst>
       <p:ext uri="{BB962C8B-B14F-4D97-AF65-F5344CB8AC3E}">
-        <p14:creationId xmlns:p14="http://schemas.microsoft.com/office/powerpoint/2010/main" val="239147487"/>
+        <p14:creationId xmlns:p14="http://schemas.microsoft.com/office/powerpoint/2010/main" val="840791653"/>
       </p:ext>
     </p:extLst>
   </p:cSld>
@@ -1123,7 +1125,7 @@
     </p:spTree>
     <p:extLst>
       <p:ext uri="{BB962C8B-B14F-4D97-AF65-F5344CB8AC3E}">
-        <p14:creationId xmlns:p14="http://schemas.microsoft.com/office/powerpoint/2010/main" val="1322071162"/>
+        <p14:creationId xmlns:p14="http://schemas.microsoft.com/office/powerpoint/2010/main" val="239147487"/>
       </p:ext>
     </p:extLst>
   </p:cSld>
@@ -1207,7 +1209,7 @@
     </p:spTree>
     <p:extLst>
       <p:ext uri="{BB962C8B-B14F-4D97-AF65-F5344CB8AC3E}">
-        <p14:creationId xmlns:p14="http://schemas.microsoft.com/office/powerpoint/2010/main" val="3827567091"/>
+        <p14:creationId xmlns:p14="http://schemas.microsoft.com/office/powerpoint/2010/main" val="1322071162"/>
       </p:ext>
     </p:extLst>
   </p:cSld>
@@ -1291,7 +1293,7 @@
     </p:spTree>
     <p:extLst>
       <p:ext uri="{BB962C8B-B14F-4D97-AF65-F5344CB8AC3E}">
-        <p14:creationId xmlns:p14="http://schemas.microsoft.com/office/powerpoint/2010/main" val="2124783615"/>
+        <p14:creationId xmlns:p14="http://schemas.microsoft.com/office/powerpoint/2010/main" val="3827567091"/>
       </p:ext>
     </p:extLst>
   </p:cSld>
@@ -1375,7 +1377,7 @@
     </p:spTree>
     <p:extLst>
       <p:ext uri="{BB962C8B-B14F-4D97-AF65-F5344CB8AC3E}">
-        <p14:creationId xmlns:p14="http://schemas.microsoft.com/office/powerpoint/2010/main" val="2246779563"/>
+        <p14:creationId xmlns:p14="http://schemas.microsoft.com/office/powerpoint/2010/main" val="2124783615"/>
       </p:ext>
     </p:extLst>
   </p:cSld>
@@ -1459,7 +1461,7 @@
     </p:spTree>
     <p:extLst>
       <p:ext uri="{BB962C8B-B14F-4D97-AF65-F5344CB8AC3E}">
-        <p14:creationId xmlns:p14="http://schemas.microsoft.com/office/powerpoint/2010/main" val="2893932448"/>
+        <p14:creationId xmlns:p14="http://schemas.microsoft.com/office/powerpoint/2010/main" val="2246779563"/>
       </p:ext>
     </p:extLst>
   </p:cSld>
@@ -1627,7 +1629,7 @@
     </p:spTree>
     <p:extLst>
       <p:ext uri="{BB962C8B-B14F-4D97-AF65-F5344CB8AC3E}">
-        <p14:creationId xmlns:p14="http://schemas.microsoft.com/office/powerpoint/2010/main" val="2662508847"/>
+        <p14:creationId xmlns:p14="http://schemas.microsoft.com/office/powerpoint/2010/main" val="2893932448"/>
       </p:ext>
     </p:extLst>
   </p:cSld>
@@ -1711,7 +1713,7 @@
     </p:spTree>
     <p:extLst>
       <p:ext uri="{BB962C8B-B14F-4D97-AF65-F5344CB8AC3E}">
-        <p14:creationId xmlns:p14="http://schemas.microsoft.com/office/powerpoint/2010/main" val="1096455251"/>
+        <p14:creationId xmlns:p14="http://schemas.microsoft.com/office/powerpoint/2010/main" val="2662508847"/>
       </p:ext>
     </p:extLst>
   </p:cSld>
@@ -1787,6 +1789,90 @@
             <a:fld id="{DF61EA0F-A667-4B49-8422-0062BC55E249}" type="slidenum">
               <a:rPr lang="en-US" smtClean="0"/>
               <a:t>22</a:t>
+            </a:fld>
+            <a:endParaRPr lang="en-US"/>
+          </a:p>
+        </p:txBody>
+      </p:sp>
+    </p:spTree>
+    <p:extLst>
+      <p:ext uri="{BB962C8B-B14F-4D97-AF65-F5344CB8AC3E}">
+        <p14:creationId xmlns:p14="http://schemas.microsoft.com/office/powerpoint/2010/main" val="1096455251"/>
+      </p:ext>
+    </p:extLst>
+  </p:cSld>
+  <p:clrMapOvr>
+    <a:masterClrMapping/>
+  </p:clrMapOvr>
+</p:notes>
+</file>
+
+<file path=ppt/notesSlides/notesSlide23.xml><?xml version="1.0" encoding="utf-8"?>
+<p:notes xmlns:a="http://schemas.openxmlformats.org/drawingml/2006/main" xmlns:r="http://schemas.openxmlformats.org/officeDocument/2006/relationships" xmlns:p="http://schemas.openxmlformats.org/presentationml/2006/main">
+  <p:cSld>
+    <p:spTree>
+      <p:nvGrpSpPr>
+        <p:cNvPr id="1" name=""/>
+        <p:cNvGrpSpPr/>
+        <p:nvPr/>
+      </p:nvGrpSpPr>
+      <p:grpSpPr>
+        <a:xfrm>
+          <a:off x="0" y="0"/>
+          <a:ext cx="0" cy="0"/>
+          <a:chOff x="0" y="0"/>
+          <a:chExt cx="0" cy="0"/>
+        </a:xfrm>
+      </p:grpSpPr>
+      <p:sp>
+        <p:nvSpPr>
+          <p:cNvPr id="2" name="Slide Image Placeholder 1"/>
+          <p:cNvSpPr>
+            <a:spLocks noGrp="1" noRot="1" noChangeAspect="1"/>
+          </p:cNvSpPr>
+          <p:nvPr>
+            <p:ph type="sldImg"/>
+          </p:nvPr>
+        </p:nvSpPr>
+        <p:spPr/>
+      </p:sp>
+      <p:sp>
+        <p:nvSpPr>
+          <p:cNvPr id="3" name="Notes Placeholder 2"/>
+          <p:cNvSpPr>
+            <a:spLocks noGrp="1"/>
+          </p:cNvSpPr>
+          <p:nvPr>
+            <p:ph type="body" idx="1"/>
+          </p:nvPr>
+        </p:nvSpPr>
+        <p:spPr/>
+        <p:txBody>
+          <a:bodyPr/>
+          <a:lstStyle/>
+          <a:p>
+            <a:endParaRPr lang="en-GB"/>
+          </a:p>
+        </p:txBody>
+      </p:sp>
+      <p:sp>
+        <p:nvSpPr>
+          <p:cNvPr id="4" name="Slide Number Placeholder 3"/>
+          <p:cNvSpPr>
+            <a:spLocks noGrp="1"/>
+          </p:cNvSpPr>
+          <p:nvPr>
+            <p:ph type="sldNum" sz="quarter" idx="10"/>
+          </p:nvPr>
+        </p:nvSpPr>
+        <p:spPr/>
+        <p:txBody>
+          <a:bodyPr/>
+          <a:lstStyle/>
+          <a:p>
+            <a:fld id="{DF61EA0F-A667-4B49-8422-0062BC55E249}" type="slidenum">
+              <a:rPr lang="en-US" smtClean="0"/>
+              <a:t>23</a:t>
             </a:fld>
             <a:endParaRPr lang="en-US"/>
           </a:p>
@@ -1963,7 +2049,7 @@
     </p:spTree>
     <p:extLst>
       <p:ext uri="{BB962C8B-B14F-4D97-AF65-F5344CB8AC3E}">
-        <p14:creationId xmlns:p14="http://schemas.microsoft.com/office/powerpoint/2010/main" val="1137687754"/>
+        <p14:creationId xmlns:p14="http://schemas.microsoft.com/office/powerpoint/2010/main" val="80162709"/>
       </p:ext>
     </p:extLst>
   </p:cSld>
@@ -2047,7 +2133,7 @@
     </p:spTree>
     <p:extLst>
       <p:ext uri="{BB962C8B-B14F-4D97-AF65-F5344CB8AC3E}">
-        <p14:creationId xmlns:p14="http://schemas.microsoft.com/office/powerpoint/2010/main" val="2868539823"/>
+        <p14:creationId xmlns:p14="http://schemas.microsoft.com/office/powerpoint/2010/main" val="1137687754"/>
       </p:ext>
     </p:extLst>
   </p:cSld>
@@ -2131,7 +2217,7 @@
     </p:spTree>
     <p:extLst>
       <p:ext uri="{BB962C8B-B14F-4D97-AF65-F5344CB8AC3E}">
-        <p14:creationId xmlns:p14="http://schemas.microsoft.com/office/powerpoint/2010/main" val="3312979358"/>
+        <p14:creationId xmlns:p14="http://schemas.microsoft.com/office/powerpoint/2010/main" val="2868539823"/>
       </p:ext>
     </p:extLst>
   </p:cSld>
@@ -2215,7 +2301,7 @@
     </p:spTree>
     <p:extLst>
       <p:ext uri="{BB962C8B-B14F-4D97-AF65-F5344CB8AC3E}">
-        <p14:creationId xmlns:p14="http://schemas.microsoft.com/office/powerpoint/2010/main" val="4010643257"/>
+        <p14:creationId xmlns:p14="http://schemas.microsoft.com/office/powerpoint/2010/main" val="3312979358"/>
       </p:ext>
     </p:extLst>
   </p:cSld>
@@ -2299,7 +2385,7 @@
     </p:spTree>
     <p:extLst>
       <p:ext uri="{BB962C8B-B14F-4D97-AF65-F5344CB8AC3E}">
-        <p14:creationId xmlns:p14="http://schemas.microsoft.com/office/powerpoint/2010/main" val="3456315996"/>
+        <p14:creationId xmlns:p14="http://schemas.microsoft.com/office/powerpoint/2010/main" val="4010643257"/>
       </p:ext>
     </p:extLst>
   </p:cSld>
@@ -2383,7 +2469,7 @@
     </p:spTree>
     <p:extLst>
       <p:ext uri="{BB962C8B-B14F-4D97-AF65-F5344CB8AC3E}">
-        <p14:creationId xmlns:p14="http://schemas.microsoft.com/office/powerpoint/2010/main" val="2031790425"/>
+        <p14:creationId xmlns:p14="http://schemas.microsoft.com/office/powerpoint/2010/main" val="3456315996"/>
       </p:ext>
     </p:extLst>
   </p:cSld>
@@ -2588,7 +2674,7 @@
           <a:p>
             <a:fld id="{8BEEBAAA-29B5-4AF5-BC5F-7E580C29002D}" type="datetimeFigureOut">
               <a:rPr lang="en-US" smtClean="0"/>
-              <a:t>4/15/2017</a:t>
+              <a:t>4/19/2017</a:t>
             </a:fld>
             <a:endParaRPr lang="en-US"/>
           </a:p>
@@ -2863,7 +2949,7 @@
           <a:p>
             <a:fld id="{8BEEBAAA-29B5-4AF5-BC5F-7E580C29002D}" type="datetimeFigureOut">
               <a:rPr lang="en-US" smtClean="0"/>
-              <a:t>4/15/2017</a:t>
+              <a:t>4/19/2017</a:t>
             </a:fld>
             <a:endParaRPr lang="en-US"/>
           </a:p>
@@ -3144,7 +3230,7 @@
           <a:p>
             <a:fld id="{8BEEBAAA-29B5-4AF5-BC5F-7E580C29002D}" type="datetimeFigureOut">
               <a:rPr lang="en-US" smtClean="0"/>
-              <a:t>4/15/2017</a:t>
+              <a:t>4/19/2017</a:t>
             </a:fld>
             <a:endParaRPr lang="en-US"/>
           </a:p>
@@ -3505,7 +3591,7 @@
           <a:p>
             <a:fld id="{8BEEBAAA-29B5-4AF5-BC5F-7E580C29002D}" type="datetimeFigureOut">
               <a:rPr lang="en-US" smtClean="0"/>
-              <a:t>4/15/2017</a:t>
+              <a:t>4/19/2017</a:t>
             </a:fld>
             <a:endParaRPr lang="en-US"/>
           </a:p>
@@ -3805,7 +3891,7 @@
           <a:p>
             <a:fld id="{8BEEBAAA-29B5-4AF5-BC5F-7E580C29002D}" type="datetimeFigureOut">
               <a:rPr lang="en-US" smtClean="0"/>
-              <a:t>4/15/2017</a:t>
+              <a:t>4/19/2017</a:t>
             </a:fld>
             <a:endParaRPr lang="en-US"/>
           </a:p>
@@ -4318,7 +4404,7 @@
           <a:p>
             <a:fld id="{8BEEBAAA-29B5-4AF5-BC5F-7E580C29002D}" type="datetimeFigureOut">
               <a:rPr lang="en-US" smtClean="0"/>
-              <a:t>4/15/2017</a:t>
+              <a:t>4/19/2017</a:t>
             </a:fld>
             <a:endParaRPr lang="en-US"/>
           </a:p>
@@ -4961,7 +5047,7 @@
           <a:p>
             <a:fld id="{8BEEBAAA-29B5-4AF5-BC5F-7E580C29002D}" type="datetimeFigureOut">
               <a:rPr lang="en-US" smtClean="0"/>
-              <a:t>4/15/2017</a:t>
+              <a:t>4/19/2017</a:t>
             </a:fld>
             <a:endParaRPr lang="en-US"/>
           </a:p>
@@ -5186,7 +5272,7 @@
           <a:p>
             <a:fld id="{8BEEBAAA-29B5-4AF5-BC5F-7E580C29002D}" type="datetimeFigureOut">
               <a:rPr lang="en-US" smtClean="0"/>
-              <a:t>4/15/2017</a:t>
+              <a:t>4/19/2017</a:t>
             </a:fld>
             <a:endParaRPr lang="en-US"/>
           </a:p>
@@ -5327,7 +5413,7 @@
           <a:p>
             <a:fld id="{8BEEBAAA-29B5-4AF5-BC5F-7E580C29002D}" type="datetimeFigureOut">
               <a:rPr lang="en-US" smtClean="0"/>
-              <a:t>4/15/2017</a:t>
+              <a:t>4/19/2017</a:t>
             </a:fld>
             <a:endParaRPr lang="en-US"/>
           </a:p>
@@ -5662,7 +5748,7 @@
           <a:p>
             <a:fld id="{8BEEBAAA-29B5-4AF5-BC5F-7E580C29002D}" type="datetimeFigureOut">
               <a:rPr lang="en-US" smtClean="0"/>
-              <a:t>4/15/2017</a:t>
+              <a:t>4/19/2017</a:t>
             </a:fld>
             <a:endParaRPr lang="en-US"/>
           </a:p>
@@ -5917,7 +6003,7 @@
           <a:p>
             <a:fld id="{8BEEBAAA-29B5-4AF5-BC5F-7E580C29002D}" type="datetimeFigureOut">
               <a:rPr lang="en-US" smtClean="0"/>
-              <a:t>4/15/2017</a:t>
+              <a:t>4/19/2017</a:t>
             </a:fld>
             <a:endParaRPr lang="en-US"/>
           </a:p>
@@ -6128,7 +6214,7 @@
           <a:p>
             <a:fld id="{8BEEBAAA-29B5-4AF5-BC5F-7E580C29002D}" type="datetimeFigureOut">
               <a:rPr lang="en-US" smtClean="0"/>
-              <a:t>4/15/2017</a:t>
+              <a:t>4/19/2017</a:t>
             </a:fld>
             <a:endParaRPr lang="en-US"/>
           </a:p>
@@ -6688,6 +6774,460 @@
           <a:p>
             <a:r>
               <a:rPr lang="ru-RU" dirty="0"/>
+              <a:t>Зачем это нужно на сервере?</a:t>
+            </a:r>
+            <a:endParaRPr lang="en-US" dirty="0"/>
+          </a:p>
+        </p:txBody>
+      </p:sp>
+      <p:pic>
+        <p:nvPicPr>
+          <p:cNvPr id="6" name="Рисунок 5"/>
+          <p:cNvPicPr>
+            <a:picLocks noChangeAspect="1"/>
+          </p:cNvPicPr>
+          <p:nvPr/>
+        </p:nvPicPr>
+        <p:blipFill>
+          <a:blip r:embed="rId3">
+            <a:extLst>
+              <a:ext uri="{28A0092B-C50C-407E-A947-70E740481C1C}">
+                <a14:useLocalDpi xmlns:a14="http://schemas.microsoft.com/office/drawing/2010/main" val="0"/>
+              </a:ext>
+            </a:extLst>
+          </a:blip>
+          <a:stretch>
+            <a:fillRect/>
+          </a:stretch>
+        </p:blipFill>
+        <p:spPr>
+          <a:xfrm>
+            <a:off x="756834" y="1734483"/>
+            <a:ext cx="4396250" cy="1566164"/>
+          </a:xfrm>
+          <a:prstGeom prst="rect">
+            <a:avLst/>
+          </a:prstGeom>
+        </p:spPr>
+      </p:pic>
+      <p:pic>
+        <p:nvPicPr>
+          <p:cNvPr id="8" name="Рисунок 7"/>
+          <p:cNvPicPr>
+            <a:picLocks noChangeAspect="1"/>
+          </p:cNvPicPr>
+          <p:nvPr/>
+        </p:nvPicPr>
+        <p:blipFill>
+          <a:blip r:embed="rId4">
+            <a:extLst>
+              <a:ext uri="{28A0092B-C50C-407E-A947-70E740481C1C}">
+                <a14:useLocalDpi xmlns:a14="http://schemas.microsoft.com/office/drawing/2010/main" val="0"/>
+              </a:ext>
+            </a:extLst>
+          </a:blip>
+          <a:stretch>
+            <a:fillRect/>
+          </a:stretch>
+        </p:blipFill>
+        <p:spPr>
+          <a:xfrm>
+            <a:off x="6957551" y="1696108"/>
+            <a:ext cx="4396250" cy="1604539"/>
+          </a:xfrm>
+          <a:prstGeom prst="rect">
+            <a:avLst/>
+          </a:prstGeom>
+        </p:spPr>
+      </p:pic>
+      <p:pic>
+        <p:nvPicPr>
+          <p:cNvPr id="11" name="Рисунок 10"/>
+          <p:cNvPicPr>
+            <a:picLocks noChangeAspect="1"/>
+          </p:cNvPicPr>
+          <p:nvPr/>
+        </p:nvPicPr>
+        <p:blipFill>
+          <a:blip r:embed="rId5">
+            <a:extLst>
+              <a:ext uri="{28A0092B-C50C-407E-A947-70E740481C1C}">
+                <a14:useLocalDpi xmlns:a14="http://schemas.microsoft.com/office/drawing/2010/main" val="0"/>
+              </a:ext>
+            </a:extLst>
+          </a:blip>
+          <a:stretch>
+            <a:fillRect/>
+          </a:stretch>
+        </p:blipFill>
+        <p:spPr>
+          <a:xfrm>
+            <a:off x="3737279" y="4437380"/>
+            <a:ext cx="4589318" cy="1587500"/>
+          </a:xfrm>
+          <a:prstGeom prst="rect">
+            <a:avLst/>
+          </a:prstGeom>
+        </p:spPr>
+      </p:pic>
+    </p:spTree>
+    <p:extLst>
+      <p:ext uri="{BB962C8B-B14F-4D97-AF65-F5344CB8AC3E}">
+        <p14:creationId xmlns:p14="http://schemas.microsoft.com/office/powerpoint/2010/main" val="3448476597"/>
+      </p:ext>
+    </p:extLst>
+  </p:cSld>
+  <p:clrMapOvr>
+    <a:masterClrMapping/>
+  </p:clrMapOvr>
+  <p:timing>
+    <p:tnLst>
+      <p:par>
+        <p:cTn id="1" dur="indefinite" restart="never" nodeType="tmRoot">
+          <p:childTnLst>
+            <p:seq concurrent="1" nextAc="seek">
+              <p:cTn id="2" dur="indefinite" nodeType="mainSeq">
+                <p:childTnLst>
+                  <p:par>
+                    <p:cTn id="3" fill="hold">
+                      <p:stCondLst>
+                        <p:cond delay="indefinite"/>
+                      </p:stCondLst>
+                      <p:childTnLst>
+                        <p:par>
+                          <p:cTn id="4" fill="hold">
+                            <p:stCondLst>
+                              <p:cond delay="0"/>
+                            </p:stCondLst>
+                            <p:childTnLst>
+                              <p:par>
+                                <p:cTn id="5" presetID="2" presetClass="entr" presetSubtype="4" fill="hold" nodeType="clickEffect">
+                                  <p:stCondLst>
+                                    <p:cond delay="0"/>
+                                  </p:stCondLst>
+                                  <p:childTnLst>
+                                    <p:set>
+                                      <p:cBhvr>
+                                        <p:cTn id="6" dur="1" fill="hold">
+                                          <p:stCondLst>
+                                            <p:cond delay="0"/>
+                                          </p:stCondLst>
+                                        </p:cTn>
+                                        <p:tgtEl>
+                                          <p:spTgt spid="6"/>
+                                        </p:tgtEl>
+                                        <p:attrNameLst>
+                                          <p:attrName>style.visibility</p:attrName>
+                                        </p:attrNameLst>
+                                      </p:cBhvr>
+                                      <p:to>
+                                        <p:strVal val="visible"/>
+                                      </p:to>
+                                    </p:set>
+                                    <p:anim calcmode="lin" valueType="num">
+                                      <p:cBhvr additive="base">
+                                        <p:cTn id="7" dur="500" fill="hold"/>
+                                        <p:tgtEl>
+                                          <p:spTgt spid="6"/>
+                                        </p:tgtEl>
+                                        <p:attrNameLst>
+                                          <p:attrName>ppt_x</p:attrName>
+                                        </p:attrNameLst>
+                                      </p:cBhvr>
+                                      <p:tavLst>
+                                        <p:tav tm="0">
+                                          <p:val>
+                                            <p:strVal val="#ppt_x"/>
+                                          </p:val>
+                                        </p:tav>
+                                        <p:tav tm="100000">
+                                          <p:val>
+                                            <p:strVal val="#ppt_x"/>
+                                          </p:val>
+                                        </p:tav>
+                                      </p:tavLst>
+                                    </p:anim>
+                                    <p:anim calcmode="lin" valueType="num">
+                                      <p:cBhvr additive="base">
+                                        <p:cTn id="8" dur="500" fill="hold"/>
+                                        <p:tgtEl>
+                                          <p:spTgt spid="6"/>
+                                        </p:tgtEl>
+                                        <p:attrNameLst>
+                                          <p:attrName>ppt_y</p:attrName>
+                                        </p:attrNameLst>
+                                      </p:cBhvr>
+                                      <p:tavLst>
+                                        <p:tav tm="0">
+                                          <p:val>
+                                            <p:strVal val="1+#ppt_h/2"/>
+                                          </p:val>
+                                        </p:tav>
+                                        <p:tav tm="100000">
+                                          <p:val>
+                                            <p:strVal val="#ppt_y"/>
+                                          </p:val>
+                                        </p:tav>
+                                      </p:tavLst>
+                                    </p:anim>
+                                  </p:childTnLst>
+                                </p:cTn>
+                              </p:par>
+                            </p:childTnLst>
+                          </p:cTn>
+                        </p:par>
+                      </p:childTnLst>
+                    </p:cTn>
+                  </p:par>
+                  <p:par>
+                    <p:cTn id="9" fill="hold">
+                      <p:stCondLst>
+                        <p:cond delay="indefinite"/>
+                      </p:stCondLst>
+                      <p:childTnLst>
+                        <p:par>
+                          <p:cTn id="10" fill="hold">
+                            <p:stCondLst>
+                              <p:cond delay="0"/>
+                            </p:stCondLst>
+                            <p:childTnLst>
+                              <p:par>
+                                <p:cTn id="11" presetID="2" presetClass="entr" presetSubtype="4" fill="hold" nodeType="clickEffect">
+                                  <p:stCondLst>
+                                    <p:cond delay="0"/>
+                                  </p:stCondLst>
+                                  <p:childTnLst>
+                                    <p:set>
+                                      <p:cBhvr>
+                                        <p:cTn id="12" dur="1" fill="hold">
+                                          <p:stCondLst>
+                                            <p:cond delay="0"/>
+                                          </p:stCondLst>
+                                        </p:cTn>
+                                        <p:tgtEl>
+                                          <p:spTgt spid="8"/>
+                                        </p:tgtEl>
+                                        <p:attrNameLst>
+                                          <p:attrName>style.visibility</p:attrName>
+                                        </p:attrNameLst>
+                                      </p:cBhvr>
+                                      <p:to>
+                                        <p:strVal val="visible"/>
+                                      </p:to>
+                                    </p:set>
+                                    <p:anim calcmode="lin" valueType="num">
+                                      <p:cBhvr additive="base">
+                                        <p:cTn id="13" dur="500" fill="hold"/>
+                                        <p:tgtEl>
+                                          <p:spTgt spid="8"/>
+                                        </p:tgtEl>
+                                        <p:attrNameLst>
+                                          <p:attrName>ppt_x</p:attrName>
+                                        </p:attrNameLst>
+                                      </p:cBhvr>
+                                      <p:tavLst>
+                                        <p:tav tm="0">
+                                          <p:val>
+                                            <p:strVal val="#ppt_x"/>
+                                          </p:val>
+                                        </p:tav>
+                                        <p:tav tm="100000">
+                                          <p:val>
+                                            <p:strVal val="#ppt_x"/>
+                                          </p:val>
+                                        </p:tav>
+                                      </p:tavLst>
+                                    </p:anim>
+                                    <p:anim calcmode="lin" valueType="num">
+                                      <p:cBhvr additive="base">
+                                        <p:cTn id="14" dur="500" fill="hold"/>
+                                        <p:tgtEl>
+                                          <p:spTgt spid="8"/>
+                                        </p:tgtEl>
+                                        <p:attrNameLst>
+                                          <p:attrName>ppt_y</p:attrName>
+                                        </p:attrNameLst>
+                                      </p:cBhvr>
+                                      <p:tavLst>
+                                        <p:tav tm="0">
+                                          <p:val>
+                                            <p:strVal val="1+#ppt_h/2"/>
+                                          </p:val>
+                                        </p:tav>
+                                        <p:tav tm="100000">
+                                          <p:val>
+                                            <p:strVal val="#ppt_y"/>
+                                          </p:val>
+                                        </p:tav>
+                                      </p:tavLst>
+                                    </p:anim>
+                                  </p:childTnLst>
+                                </p:cTn>
+                              </p:par>
+                            </p:childTnLst>
+                          </p:cTn>
+                        </p:par>
+                      </p:childTnLst>
+                    </p:cTn>
+                  </p:par>
+                  <p:par>
+                    <p:cTn id="15" fill="hold">
+                      <p:stCondLst>
+                        <p:cond delay="indefinite"/>
+                      </p:stCondLst>
+                      <p:childTnLst>
+                        <p:par>
+                          <p:cTn id="16" fill="hold">
+                            <p:stCondLst>
+                              <p:cond delay="0"/>
+                            </p:stCondLst>
+                            <p:childTnLst>
+                              <p:par>
+                                <p:cTn id="17" presetID="42" presetClass="entr" presetSubtype="0" fill="hold" nodeType="clickEffect">
+                                  <p:stCondLst>
+                                    <p:cond delay="0"/>
+                                  </p:stCondLst>
+                                  <p:childTnLst>
+                                    <p:set>
+                                      <p:cBhvr>
+                                        <p:cTn id="18" dur="1" fill="hold">
+                                          <p:stCondLst>
+                                            <p:cond delay="0"/>
+                                          </p:stCondLst>
+                                        </p:cTn>
+                                        <p:tgtEl>
+                                          <p:spTgt spid="11"/>
+                                        </p:tgtEl>
+                                        <p:attrNameLst>
+                                          <p:attrName>style.visibility</p:attrName>
+                                        </p:attrNameLst>
+                                      </p:cBhvr>
+                                      <p:to>
+                                        <p:strVal val="visible"/>
+                                      </p:to>
+                                    </p:set>
+                                    <p:animEffect transition="in" filter="fade">
+                                      <p:cBhvr>
+                                        <p:cTn id="19" dur="1000"/>
+                                        <p:tgtEl>
+                                          <p:spTgt spid="11"/>
+                                        </p:tgtEl>
+                                      </p:cBhvr>
+                                    </p:animEffect>
+                                    <p:anim calcmode="lin" valueType="num">
+                                      <p:cBhvr>
+                                        <p:cTn id="20" dur="1000" fill="hold"/>
+                                        <p:tgtEl>
+                                          <p:spTgt spid="11"/>
+                                        </p:tgtEl>
+                                        <p:attrNameLst>
+                                          <p:attrName>ppt_x</p:attrName>
+                                        </p:attrNameLst>
+                                      </p:cBhvr>
+                                      <p:tavLst>
+                                        <p:tav tm="0">
+                                          <p:val>
+                                            <p:strVal val="#ppt_x"/>
+                                          </p:val>
+                                        </p:tav>
+                                        <p:tav tm="100000">
+                                          <p:val>
+                                            <p:strVal val="#ppt_x"/>
+                                          </p:val>
+                                        </p:tav>
+                                      </p:tavLst>
+                                    </p:anim>
+                                    <p:anim calcmode="lin" valueType="num">
+                                      <p:cBhvr>
+                                        <p:cTn id="21" dur="1000" fill="hold"/>
+                                        <p:tgtEl>
+                                          <p:spTgt spid="11"/>
+                                        </p:tgtEl>
+                                        <p:attrNameLst>
+                                          <p:attrName>ppt_y</p:attrName>
+                                        </p:attrNameLst>
+                                      </p:cBhvr>
+                                      <p:tavLst>
+                                        <p:tav tm="0">
+                                          <p:val>
+                                            <p:strVal val="#ppt_y+.1"/>
+                                          </p:val>
+                                        </p:tav>
+                                        <p:tav tm="100000">
+                                          <p:val>
+                                            <p:strVal val="#ppt_y"/>
+                                          </p:val>
+                                        </p:tav>
+                                      </p:tavLst>
+                                    </p:anim>
+                                  </p:childTnLst>
+                                </p:cTn>
+                              </p:par>
+                            </p:childTnLst>
+                          </p:cTn>
+                        </p:par>
+                      </p:childTnLst>
+                    </p:cTn>
+                  </p:par>
+                </p:childTnLst>
+              </p:cTn>
+              <p:prevCondLst>
+                <p:cond evt="onPrev" delay="0">
+                  <p:tgtEl>
+                    <p:sldTgt/>
+                  </p:tgtEl>
+                </p:cond>
+              </p:prevCondLst>
+              <p:nextCondLst>
+                <p:cond evt="onNext" delay="0">
+                  <p:tgtEl>
+                    <p:sldTgt/>
+                  </p:tgtEl>
+                </p:cond>
+              </p:nextCondLst>
+            </p:seq>
+          </p:childTnLst>
+        </p:cTn>
+      </p:par>
+    </p:tnLst>
+  </p:timing>
+</p:sld>
+</file>
+
+<file path=ppt/slides/slide11.xml><?xml version="1.0" encoding="utf-8"?>
+<p:sld xmlns:a="http://schemas.openxmlformats.org/drawingml/2006/main" xmlns:r="http://schemas.openxmlformats.org/officeDocument/2006/relationships" xmlns:p="http://schemas.openxmlformats.org/presentationml/2006/main">
+  <p:cSld>
+    <p:spTree>
+      <p:nvGrpSpPr>
+        <p:cNvPr id="1" name=""/>
+        <p:cNvGrpSpPr/>
+        <p:nvPr/>
+      </p:nvGrpSpPr>
+      <p:grpSpPr>
+        <a:xfrm>
+          <a:off x="0" y="0"/>
+          <a:ext cx="0" cy="0"/>
+          <a:chOff x="0" y="0"/>
+          <a:chExt cx="0" cy="0"/>
+        </a:xfrm>
+      </p:grpSpPr>
+      <p:sp>
+        <p:nvSpPr>
+          <p:cNvPr id="2" name="Title 1"/>
+          <p:cNvSpPr>
+            <a:spLocks noGrp="1"/>
+          </p:cNvSpPr>
+          <p:nvPr>
+            <p:ph type="title"/>
+          </p:nvPr>
+        </p:nvSpPr>
+        <p:spPr/>
+        <p:txBody>
+          <a:bodyPr/>
+          <a:lstStyle/>
+          <a:p>
+            <a:r>
+              <a:rPr lang="ru-RU" dirty="0"/>
               <a:t>Нам нужно на следующий уровень (</a:t>
             </a:r>
             <a:r>
@@ -6758,7 +7298,7 @@
 </p:sld>
 </file>
 
-<file path=ppt/slides/slide11.xml><?xml version="1.0" encoding="utf-8"?>
+<file path=ppt/slides/slide12.xml><?xml version="1.0" encoding="utf-8"?>
 <p:sld xmlns:a="http://schemas.openxmlformats.org/drawingml/2006/main" xmlns:r="http://schemas.openxmlformats.org/officeDocument/2006/relationships" xmlns:p="http://schemas.openxmlformats.org/presentationml/2006/main">
   <p:cSld>
     <p:spTree>
@@ -7205,7 +7745,7 @@
 </p:sld>
 </file>
 
-<file path=ppt/slides/slide12.xml><?xml version="1.0" encoding="utf-8"?>
+<file path=ppt/slides/slide13.xml><?xml version="1.0" encoding="utf-8"?>
 <p:sld xmlns:a="http://schemas.openxmlformats.org/drawingml/2006/main" xmlns:r="http://schemas.openxmlformats.org/officeDocument/2006/relationships" xmlns:p="http://schemas.openxmlformats.org/presentationml/2006/main">
   <p:cSld>
     <p:spTree>
@@ -8034,7 +8574,7 @@
 </p:sld>
 </file>
 
-<file path=ppt/slides/slide13.xml><?xml version="1.0" encoding="utf-8"?>
+<file path=ppt/slides/slide14.xml><?xml version="1.0" encoding="utf-8"?>
 <p:sld xmlns:a="http://schemas.openxmlformats.org/drawingml/2006/main" xmlns:r="http://schemas.openxmlformats.org/officeDocument/2006/relationships" xmlns:p="http://schemas.openxmlformats.org/presentationml/2006/main">
   <p:cSld>
     <p:spTree>
@@ -8117,7 +8657,7 @@
           <a:prstGeom prst="line">
             <a:avLst/>
           </a:prstGeom>
-          <a:ln w="19050">
+          <a:ln w="38100">
             <a:solidFill>
               <a:srgbClr val="FF0000"/>
             </a:solidFill>
@@ -8152,7 +8692,7 @@
           <a:prstGeom prst="line">
             <a:avLst/>
           </a:prstGeom>
-          <a:ln w="19050">
+          <a:ln w="38100">
             <a:solidFill>
               <a:srgbClr val="FF0000"/>
             </a:solidFill>
@@ -8187,7 +8727,7 @@
           <a:prstGeom prst="line">
             <a:avLst/>
           </a:prstGeom>
-          <a:ln w="19050">
+          <a:ln w="38100">
             <a:solidFill>
               <a:srgbClr val="FF0000"/>
             </a:solidFill>
@@ -8524,7 +9064,7 @@
 </p:sld>
 </file>
 
-<file path=ppt/slides/slide14.xml><?xml version="1.0" encoding="utf-8"?>
+<file path=ppt/slides/slide15.xml><?xml version="1.0" encoding="utf-8"?>
 <p:sld xmlns:a="http://schemas.openxmlformats.org/drawingml/2006/main" xmlns:r="http://schemas.openxmlformats.org/officeDocument/2006/relationships" xmlns:p="http://schemas.openxmlformats.org/presentationml/2006/main">
   <p:cSld>
     <p:spTree>
@@ -8615,7 +9155,7 @@
 </p:sld>
 </file>
 
-<file path=ppt/slides/slide15.xml><?xml version="1.0" encoding="utf-8"?>
+<file path=ppt/slides/slide16.xml><?xml version="1.0" encoding="utf-8"?>
 <p:sld xmlns:a="http://schemas.openxmlformats.org/drawingml/2006/main" xmlns:r="http://schemas.openxmlformats.org/officeDocument/2006/relationships" xmlns:p="http://schemas.openxmlformats.org/presentationml/2006/main">
   <p:cSld>
     <p:spTree>
@@ -8692,7 +9232,7 @@
 </p:sld>
 </file>
 
-<file path=ppt/slides/slide16.xml><?xml version="1.0" encoding="utf-8"?>
+<file path=ppt/slides/slide17.xml><?xml version="1.0" encoding="utf-8"?>
 <p:sld xmlns:a="http://schemas.openxmlformats.org/drawingml/2006/main" xmlns:r="http://schemas.openxmlformats.org/officeDocument/2006/relationships" xmlns:p="http://schemas.openxmlformats.org/presentationml/2006/main">
   <p:cSld>
     <p:spTree>
@@ -9017,7 +9557,7 @@
 </p:sld>
 </file>
 
-<file path=ppt/slides/slide17.xml><?xml version="1.0" encoding="utf-8"?>
+<file path=ppt/slides/slide18.xml><?xml version="1.0" encoding="utf-8"?>
 <p:sld xmlns:a="http://schemas.openxmlformats.org/drawingml/2006/main" xmlns:r="http://schemas.openxmlformats.org/officeDocument/2006/relationships" xmlns:p="http://schemas.openxmlformats.org/presentationml/2006/main">
   <p:cSld>
     <p:spTree>
@@ -9098,7 +9638,7 @@
 </p:sld>
 </file>
 
-<file path=ppt/slides/slide18.xml><?xml version="1.0" encoding="utf-8"?>
+<file path=ppt/slides/slide19.xml><?xml version="1.0" encoding="utf-8"?>
 <p:sld xmlns:a="http://schemas.openxmlformats.org/drawingml/2006/main" xmlns:r="http://schemas.openxmlformats.org/officeDocument/2006/relationships" xmlns:p="http://schemas.openxmlformats.org/presentationml/2006/main">
   <p:cSld>
     <p:spTree>
@@ -9178,388 +9718,6 @@
   <p:clrMapOvr>
     <a:masterClrMapping/>
   </p:clrMapOvr>
-</p:sld>
-</file>
-
-<file path=ppt/slides/slide19.xml><?xml version="1.0" encoding="utf-8"?>
-<p:sld xmlns:a="http://schemas.openxmlformats.org/drawingml/2006/main" xmlns:r="http://schemas.openxmlformats.org/officeDocument/2006/relationships" xmlns:p="http://schemas.openxmlformats.org/presentationml/2006/main">
-  <p:cSld>
-    <p:spTree>
-      <p:nvGrpSpPr>
-        <p:cNvPr id="1" name=""/>
-        <p:cNvGrpSpPr/>
-        <p:nvPr/>
-      </p:nvGrpSpPr>
-      <p:grpSpPr>
-        <a:xfrm>
-          <a:off x="0" y="0"/>
-          <a:ext cx="0" cy="0"/>
-          <a:chOff x="0" y="0"/>
-          <a:chExt cx="0" cy="0"/>
-        </a:xfrm>
-      </p:grpSpPr>
-      <p:sp>
-        <p:nvSpPr>
-          <p:cNvPr id="2" name="Title 1"/>
-          <p:cNvSpPr>
-            <a:spLocks noGrp="1"/>
-          </p:cNvSpPr>
-          <p:nvPr>
-            <p:ph type="title"/>
-          </p:nvPr>
-        </p:nvSpPr>
-        <p:spPr/>
-        <p:txBody>
-          <a:bodyPr/>
-          <a:lstStyle/>
-          <a:p>
-            <a:r>
-              <a:rPr lang="ru-RU" dirty="0" err="1"/>
-              <a:t>Похоливарим</a:t>
-            </a:r>
-            <a:r>
-              <a:rPr lang="ru-RU" dirty="0"/>
-              <a:t>?</a:t>
-            </a:r>
-            <a:endParaRPr lang="en-US" dirty="0"/>
-          </a:p>
-        </p:txBody>
-      </p:sp>
-      <p:sp>
-        <p:nvSpPr>
-          <p:cNvPr id="4" name="Content Placeholder 2"/>
-          <p:cNvSpPr>
-            <a:spLocks noGrp="1"/>
-          </p:cNvSpPr>
-          <p:nvPr>
-            <p:ph idx="1"/>
-          </p:nvPr>
-        </p:nvSpPr>
-        <p:spPr>
-          <a:xfrm>
-            <a:off x="604433" y="2532184"/>
-            <a:ext cx="10749368" cy="1272373"/>
-          </a:xfrm>
-        </p:spPr>
-        <p:txBody>
-          <a:bodyPr>
-            <a:noAutofit/>
-          </a:bodyPr>
-          <a:lstStyle/>
-          <a:p>
-            <a:pPr marL="285750" indent="-285750">
-              <a:buFont typeface="Arial" panose="020B0604020202020204" pitchFamily="34" charset="0"/>
-              <a:buChar char="•"/>
-            </a:pPr>
-            <a:r>
-              <a:rPr lang="en-US" sz="3200" dirty="0" err="1">
-                <a:solidFill>
-                  <a:schemeClr val="tx1"/>
-                </a:solidFill>
-              </a:rPr>
-              <a:t>Async</a:t>
-            </a:r>
-            <a:r>
-              <a:rPr lang="en-US" sz="3200" dirty="0">
-                <a:solidFill>
-                  <a:schemeClr val="tx1"/>
-                </a:solidFill>
-              </a:rPr>
-              <a:t> Library Methods Shouldn't Lie</a:t>
-            </a:r>
-          </a:p>
-          <a:p>
-            <a:pPr marL="285750" indent="-285750">
-              <a:buFont typeface="Arial" panose="020B0604020202020204" pitchFamily="34" charset="0"/>
-              <a:buChar char="•"/>
-            </a:pPr>
-            <a:r>
-              <a:rPr lang="ru-RU" sz="3200" dirty="0">
-                <a:solidFill>
-                  <a:schemeClr val="tx1"/>
-                </a:solidFill>
-              </a:rPr>
-              <a:t>Не злоупотребляйте </a:t>
-            </a:r>
-            <a:r>
-              <a:rPr lang="en-US" sz="3200" dirty="0" err="1">
-                <a:solidFill>
-                  <a:schemeClr val="tx1"/>
-                </a:solidFill>
-              </a:rPr>
-              <a:t>Task.Run</a:t>
-            </a:r>
-            <a:endParaRPr lang="en-US" sz="3200" dirty="0">
-              <a:solidFill>
-                <a:schemeClr val="tx1"/>
-              </a:solidFill>
-            </a:endParaRPr>
-          </a:p>
-          <a:p>
-            <a:endParaRPr lang="en-US" sz="2400" dirty="0">
-              <a:solidFill>
-                <a:schemeClr val="tx1"/>
-              </a:solidFill>
-            </a:endParaRPr>
-          </a:p>
-          <a:p>
-            <a:endParaRPr lang="en-US" sz="2400" dirty="0">
-              <a:solidFill>
-                <a:schemeClr val="tx1"/>
-              </a:solidFill>
-            </a:endParaRPr>
-          </a:p>
-        </p:txBody>
-      </p:sp>
-    </p:spTree>
-    <p:extLst>
-      <p:ext uri="{BB962C8B-B14F-4D97-AF65-F5344CB8AC3E}">
-        <p14:creationId xmlns:p14="http://schemas.microsoft.com/office/powerpoint/2010/main" val="121000677"/>
-      </p:ext>
-    </p:extLst>
-  </p:cSld>
-  <p:clrMapOvr>
-    <a:masterClrMapping/>
-  </p:clrMapOvr>
-  <p:timing>
-    <p:tnLst>
-      <p:par>
-        <p:cTn id="1" dur="indefinite" restart="never" nodeType="tmRoot">
-          <p:childTnLst>
-            <p:seq concurrent="1" nextAc="seek">
-              <p:cTn id="2" dur="indefinite" nodeType="mainSeq">
-                <p:childTnLst>
-                  <p:par>
-                    <p:cTn id="3" fill="hold">
-                      <p:stCondLst>
-                        <p:cond delay="indefinite"/>
-                      </p:stCondLst>
-                      <p:childTnLst>
-                        <p:par>
-                          <p:cTn id="4" fill="hold">
-                            <p:stCondLst>
-                              <p:cond delay="0"/>
-                            </p:stCondLst>
-                            <p:childTnLst>
-                              <p:par>
-                                <p:cTn id="5" presetID="2" presetClass="entr" presetSubtype="4" fill="hold" grpId="0" nodeType="clickEffect">
-                                  <p:stCondLst>
-                                    <p:cond delay="0"/>
-                                  </p:stCondLst>
-                                  <p:childTnLst>
-                                    <p:set>
-                                      <p:cBhvr>
-                                        <p:cTn id="6" dur="1" fill="hold">
-                                          <p:stCondLst>
-                                            <p:cond delay="0"/>
-                                          </p:stCondLst>
-                                        </p:cTn>
-                                        <p:tgtEl>
-                                          <p:spTgt spid="4">
-                                            <p:txEl>
-                                              <p:pRg st="0" end="0"/>
-                                            </p:txEl>
-                                          </p:spTgt>
-                                        </p:tgtEl>
-                                        <p:attrNameLst>
-                                          <p:attrName>style.visibility</p:attrName>
-                                        </p:attrNameLst>
-                                      </p:cBhvr>
-                                      <p:to>
-                                        <p:strVal val="visible"/>
-                                      </p:to>
-                                    </p:set>
-                                    <p:anim calcmode="lin" valueType="num">
-                                      <p:cBhvr additive="base">
-                                        <p:cTn id="7" dur="500" fill="hold"/>
-                                        <p:tgtEl>
-                                          <p:spTgt spid="4">
-                                            <p:txEl>
-                                              <p:pRg st="0" end="0"/>
-                                            </p:txEl>
-                                          </p:spTgt>
-                                        </p:tgtEl>
-                                        <p:attrNameLst>
-                                          <p:attrName>ppt_x</p:attrName>
-                                        </p:attrNameLst>
-                                      </p:cBhvr>
-                                      <p:tavLst>
-                                        <p:tav tm="0">
-                                          <p:val>
-                                            <p:strVal val="#ppt_x"/>
-                                          </p:val>
-                                        </p:tav>
-                                        <p:tav tm="100000">
-                                          <p:val>
-                                            <p:strVal val="#ppt_x"/>
-                                          </p:val>
-                                        </p:tav>
-                                      </p:tavLst>
-                                    </p:anim>
-                                    <p:anim calcmode="lin" valueType="num">
-                                      <p:cBhvr additive="base">
-                                        <p:cTn id="8" dur="500" fill="hold"/>
-                                        <p:tgtEl>
-                                          <p:spTgt spid="4">
-                                            <p:txEl>
-                                              <p:pRg st="0" end="0"/>
-                                            </p:txEl>
-                                          </p:spTgt>
-                                        </p:tgtEl>
-                                        <p:attrNameLst>
-                                          <p:attrName>ppt_y</p:attrName>
-                                        </p:attrNameLst>
-                                      </p:cBhvr>
-                                      <p:tavLst>
-                                        <p:tav tm="0">
-                                          <p:val>
-                                            <p:strVal val="1+#ppt_h/2"/>
-                                          </p:val>
-                                        </p:tav>
-                                        <p:tav tm="100000">
-                                          <p:val>
-                                            <p:strVal val="#ppt_y"/>
-                                          </p:val>
-                                        </p:tav>
-                                      </p:tavLst>
-                                    </p:anim>
-                                  </p:childTnLst>
-                                </p:cTn>
-                              </p:par>
-                            </p:childTnLst>
-                          </p:cTn>
-                        </p:par>
-                      </p:childTnLst>
-                    </p:cTn>
-                  </p:par>
-                  <p:par>
-                    <p:cTn id="9" fill="hold">
-                      <p:stCondLst>
-                        <p:cond delay="indefinite"/>
-                      </p:stCondLst>
-                      <p:childTnLst>
-                        <p:par>
-                          <p:cTn id="10" fill="hold">
-                            <p:stCondLst>
-                              <p:cond delay="0"/>
-                            </p:stCondLst>
-                            <p:childTnLst>
-                              <p:par>
-                                <p:cTn id="11" presetID="2" presetClass="entr" presetSubtype="4" fill="hold" grpId="0" nodeType="clickEffect">
-                                  <p:stCondLst>
-                                    <p:cond delay="0"/>
-                                  </p:stCondLst>
-                                  <p:childTnLst>
-                                    <p:set>
-                                      <p:cBhvr>
-                                        <p:cTn id="12" dur="1" fill="hold">
-                                          <p:stCondLst>
-                                            <p:cond delay="0"/>
-                                          </p:stCondLst>
-                                        </p:cTn>
-                                        <p:tgtEl>
-                                          <p:spTgt spid="4">
-                                            <p:txEl>
-                                              <p:pRg st="1" end="1"/>
-                                            </p:txEl>
-                                          </p:spTgt>
-                                        </p:tgtEl>
-                                        <p:attrNameLst>
-                                          <p:attrName>style.visibility</p:attrName>
-                                        </p:attrNameLst>
-                                      </p:cBhvr>
-                                      <p:to>
-                                        <p:strVal val="visible"/>
-                                      </p:to>
-                                    </p:set>
-                                    <p:anim calcmode="lin" valueType="num">
-                                      <p:cBhvr additive="base">
-                                        <p:cTn id="13" dur="500" fill="hold"/>
-                                        <p:tgtEl>
-                                          <p:spTgt spid="4">
-                                            <p:txEl>
-                                              <p:pRg st="1" end="1"/>
-                                            </p:txEl>
-                                          </p:spTgt>
-                                        </p:tgtEl>
-                                        <p:attrNameLst>
-                                          <p:attrName>ppt_x</p:attrName>
-                                        </p:attrNameLst>
-                                      </p:cBhvr>
-                                      <p:tavLst>
-                                        <p:tav tm="0">
-                                          <p:val>
-                                            <p:strVal val="#ppt_x"/>
-                                          </p:val>
-                                        </p:tav>
-                                        <p:tav tm="100000">
-                                          <p:val>
-                                            <p:strVal val="#ppt_x"/>
-                                          </p:val>
-                                        </p:tav>
-                                      </p:tavLst>
-                                    </p:anim>
-                                    <p:anim calcmode="lin" valueType="num">
-                                      <p:cBhvr additive="base">
-                                        <p:cTn id="14" dur="500" fill="hold"/>
-                                        <p:tgtEl>
-                                          <p:spTgt spid="4">
-                                            <p:txEl>
-                                              <p:pRg st="1" end="1"/>
-                                            </p:txEl>
-                                          </p:spTgt>
-                                        </p:tgtEl>
-                                        <p:attrNameLst>
-                                          <p:attrName>ppt_y</p:attrName>
-                                        </p:attrNameLst>
-                                      </p:cBhvr>
-                                      <p:tavLst>
-                                        <p:tav tm="0">
-                                          <p:val>
-                                            <p:strVal val="1+#ppt_h/2"/>
-                                          </p:val>
-                                        </p:tav>
-                                        <p:tav tm="100000">
-                                          <p:val>
-                                            <p:strVal val="#ppt_y"/>
-                                          </p:val>
-                                        </p:tav>
-                                      </p:tavLst>
-                                    </p:anim>
-                                  </p:childTnLst>
-                                </p:cTn>
-                              </p:par>
-                            </p:childTnLst>
-                          </p:cTn>
-                        </p:par>
-                      </p:childTnLst>
-                    </p:cTn>
-                  </p:par>
-                </p:childTnLst>
-              </p:cTn>
-              <p:prevCondLst>
-                <p:cond evt="onPrev" delay="0">
-                  <p:tgtEl>
-                    <p:sldTgt/>
-                  </p:tgtEl>
-                </p:cond>
-              </p:prevCondLst>
-              <p:nextCondLst>
-                <p:cond evt="onNext" delay="0">
-                  <p:tgtEl>
-                    <p:sldTgt/>
-                  </p:tgtEl>
-                </p:cond>
-              </p:nextCondLst>
-            </p:seq>
-          </p:childTnLst>
-        </p:cTn>
-      </p:par>
-    </p:tnLst>
-    <p:bldLst>
-      <p:bldP spid="4" grpId="0" uiExpand="1" build="p"/>
-    </p:bldLst>
-  </p:timing>
 </p:sld>
 </file>
 
@@ -10071,6 +10229,388 @@
           <a:lstStyle/>
           <a:p>
             <a:r>
+              <a:rPr lang="ru-RU" dirty="0" err="1"/>
+              <a:t>Похоливарим</a:t>
+            </a:r>
+            <a:r>
+              <a:rPr lang="ru-RU" dirty="0"/>
+              <a:t>?</a:t>
+            </a:r>
+            <a:endParaRPr lang="en-US" dirty="0"/>
+          </a:p>
+        </p:txBody>
+      </p:sp>
+      <p:sp>
+        <p:nvSpPr>
+          <p:cNvPr id="4" name="Content Placeholder 2"/>
+          <p:cNvSpPr>
+            <a:spLocks noGrp="1"/>
+          </p:cNvSpPr>
+          <p:nvPr>
+            <p:ph idx="1"/>
+          </p:nvPr>
+        </p:nvSpPr>
+        <p:spPr>
+          <a:xfrm>
+            <a:off x="604433" y="2532184"/>
+            <a:ext cx="10749368" cy="1272373"/>
+          </a:xfrm>
+        </p:spPr>
+        <p:txBody>
+          <a:bodyPr>
+            <a:noAutofit/>
+          </a:bodyPr>
+          <a:lstStyle/>
+          <a:p>
+            <a:pPr marL="285750" indent="-285750">
+              <a:buFont typeface="Arial" panose="020B0604020202020204" pitchFamily="34" charset="0"/>
+              <a:buChar char="•"/>
+            </a:pPr>
+            <a:r>
+              <a:rPr lang="en-US" sz="3200" dirty="0" err="1">
+                <a:solidFill>
+                  <a:schemeClr val="tx1"/>
+                </a:solidFill>
+              </a:rPr>
+              <a:t>Async</a:t>
+            </a:r>
+            <a:r>
+              <a:rPr lang="en-US" sz="3200" dirty="0">
+                <a:solidFill>
+                  <a:schemeClr val="tx1"/>
+                </a:solidFill>
+              </a:rPr>
+              <a:t> Library Methods Shouldn't Lie</a:t>
+            </a:r>
+          </a:p>
+          <a:p>
+            <a:pPr marL="285750" indent="-285750">
+              <a:buFont typeface="Arial" panose="020B0604020202020204" pitchFamily="34" charset="0"/>
+              <a:buChar char="•"/>
+            </a:pPr>
+            <a:r>
+              <a:rPr lang="ru-RU" sz="3200" dirty="0">
+                <a:solidFill>
+                  <a:schemeClr val="tx1"/>
+                </a:solidFill>
+              </a:rPr>
+              <a:t>Не злоупотребляйте </a:t>
+            </a:r>
+            <a:r>
+              <a:rPr lang="en-US" sz="3200" dirty="0" err="1">
+                <a:solidFill>
+                  <a:schemeClr val="tx1"/>
+                </a:solidFill>
+              </a:rPr>
+              <a:t>Task.Run</a:t>
+            </a:r>
+            <a:endParaRPr lang="en-US" sz="3200" dirty="0">
+              <a:solidFill>
+                <a:schemeClr val="tx1"/>
+              </a:solidFill>
+            </a:endParaRPr>
+          </a:p>
+          <a:p>
+            <a:endParaRPr lang="en-US" sz="2400" dirty="0">
+              <a:solidFill>
+                <a:schemeClr val="tx1"/>
+              </a:solidFill>
+            </a:endParaRPr>
+          </a:p>
+          <a:p>
+            <a:endParaRPr lang="en-US" sz="2400" dirty="0">
+              <a:solidFill>
+                <a:schemeClr val="tx1"/>
+              </a:solidFill>
+            </a:endParaRPr>
+          </a:p>
+        </p:txBody>
+      </p:sp>
+    </p:spTree>
+    <p:extLst>
+      <p:ext uri="{BB962C8B-B14F-4D97-AF65-F5344CB8AC3E}">
+        <p14:creationId xmlns:p14="http://schemas.microsoft.com/office/powerpoint/2010/main" val="121000677"/>
+      </p:ext>
+    </p:extLst>
+  </p:cSld>
+  <p:clrMapOvr>
+    <a:masterClrMapping/>
+  </p:clrMapOvr>
+  <p:timing>
+    <p:tnLst>
+      <p:par>
+        <p:cTn id="1" dur="indefinite" restart="never" nodeType="tmRoot">
+          <p:childTnLst>
+            <p:seq concurrent="1" nextAc="seek">
+              <p:cTn id="2" dur="indefinite" nodeType="mainSeq">
+                <p:childTnLst>
+                  <p:par>
+                    <p:cTn id="3" fill="hold">
+                      <p:stCondLst>
+                        <p:cond delay="indefinite"/>
+                      </p:stCondLst>
+                      <p:childTnLst>
+                        <p:par>
+                          <p:cTn id="4" fill="hold">
+                            <p:stCondLst>
+                              <p:cond delay="0"/>
+                            </p:stCondLst>
+                            <p:childTnLst>
+                              <p:par>
+                                <p:cTn id="5" presetID="2" presetClass="entr" presetSubtype="4" fill="hold" grpId="0" nodeType="clickEffect">
+                                  <p:stCondLst>
+                                    <p:cond delay="0"/>
+                                  </p:stCondLst>
+                                  <p:childTnLst>
+                                    <p:set>
+                                      <p:cBhvr>
+                                        <p:cTn id="6" dur="1" fill="hold">
+                                          <p:stCondLst>
+                                            <p:cond delay="0"/>
+                                          </p:stCondLst>
+                                        </p:cTn>
+                                        <p:tgtEl>
+                                          <p:spTgt spid="4">
+                                            <p:txEl>
+                                              <p:pRg st="0" end="0"/>
+                                            </p:txEl>
+                                          </p:spTgt>
+                                        </p:tgtEl>
+                                        <p:attrNameLst>
+                                          <p:attrName>style.visibility</p:attrName>
+                                        </p:attrNameLst>
+                                      </p:cBhvr>
+                                      <p:to>
+                                        <p:strVal val="visible"/>
+                                      </p:to>
+                                    </p:set>
+                                    <p:anim calcmode="lin" valueType="num">
+                                      <p:cBhvr additive="base">
+                                        <p:cTn id="7" dur="500" fill="hold"/>
+                                        <p:tgtEl>
+                                          <p:spTgt spid="4">
+                                            <p:txEl>
+                                              <p:pRg st="0" end="0"/>
+                                            </p:txEl>
+                                          </p:spTgt>
+                                        </p:tgtEl>
+                                        <p:attrNameLst>
+                                          <p:attrName>ppt_x</p:attrName>
+                                        </p:attrNameLst>
+                                      </p:cBhvr>
+                                      <p:tavLst>
+                                        <p:tav tm="0">
+                                          <p:val>
+                                            <p:strVal val="#ppt_x"/>
+                                          </p:val>
+                                        </p:tav>
+                                        <p:tav tm="100000">
+                                          <p:val>
+                                            <p:strVal val="#ppt_x"/>
+                                          </p:val>
+                                        </p:tav>
+                                      </p:tavLst>
+                                    </p:anim>
+                                    <p:anim calcmode="lin" valueType="num">
+                                      <p:cBhvr additive="base">
+                                        <p:cTn id="8" dur="500" fill="hold"/>
+                                        <p:tgtEl>
+                                          <p:spTgt spid="4">
+                                            <p:txEl>
+                                              <p:pRg st="0" end="0"/>
+                                            </p:txEl>
+                                          </p:spTgt>
+                                        </p:tgtEl>
+                                        <p:attrNameLst>
+                                          <p:attrName>ppt_y</p:attrName>
+                                        </p:attrNameLst>
+                                      </p:cBhvr>
+                                      <p:tavLst>
+                                        <p:tav tm="0">
+                                          <p:val>
+                                            <p:strVal val="1+#ppt_h/2"/>
+                                          </p:val>
+                                        </p:tav>
+                                        <p:tav tm="100000">
+                                          <p:val>
+                                            <p:strVal val="#ppt_y"/>
+                                          </p:val>
+                                        </p:tav>
+                                      </p:tavLst>
+                                    </p:anim>
+                                  </p:childTnLst>
+                                </p:cTn>
+                              </p:par>
+                            </p:childTnLst>
+                          </p:cTn>
+                        </p:par>
+                      </p:childTnLst>
+                    </p:cTn>
+                  </p:par>
+                  <p:par>
+                    <p:cTn id="9" fill="hold">
+                      <p:stCondLst>
+                        <p:cond delay="indefinite"/>
+                      </p:stCondLst>
+                      <p:childTnLst>
+                        <p:par>
+                          <p:cTn id="10" fill="hold">
+                            <p:stCondLst>
+                              <p:cond delay="0"/>
+                            </p:stCondLst>
+                            <p:childTnLst>
+                              <p:par>
+                                <p:cTn id="11" presetID="2" presetClass="entr" presetSubtype="4" fill="hold" grpId="0" nodeType="clickEffect">
+                                  <p:stCondLst>
+                                    <p:cond delay="0"/>
+                                  </p:stCondLst>
+                                  <p:childTnLst>
+                                    <p:set>
+                                      <p:cBhvr>
+                                        <p:cTn id="12" dur="1" fill="hold">
+                                          <p:stCondLst>
+                                            <p:cond delay="0"/>
+                                          </p:stCondLst>
+                                        </p:cTn>
+                                        <p:tgtEl>
+                                          <p:spTgt spid="4">
+                                            <p:txEl>
+                                              <p:pRg st="1" end="1"/>
+                                            </p:txEl>
+                                          </p:spTgt>
+                                        </p:tgtEl>
+                                        <p:attrNameLst>
+                                          <p:attrName>style.visibility</p:attrName>
+                                        </p:attrNameLst>
+                                      </p:cBhvr>
+                                      <p:to>
+                                        <p:strVal val="visible"/>
+                                      </p:to>
+                                    </p:set>
+                                    <p:anim calcmode="lin" valueType="num">
+                                      <p:cBhvr additive="base">
+                                        <p:cTn id="13" dur="500" fill="hold"/>
+                                        <p:tgtEl>
+                                          <p:spTgt spid="4">
+                                            <p:txEl>
+                                              <p:pRg st="1" end="1"/>
+                                            </p:txEl>
+                                          </p:spTgt>
+                                        </p:tgtEl>
+                                        <p:attrNameLst>
+                                          <p:attrName>ppt_x</p:attrName>
+                                        </p:attrNameLst>
+                                      </p:cBhvr>
+                                      <p:tavLst>
+                                        <p:tav tm="0">
+                                          <p:val>
+                                            <p:strVal val="#ppt_x"/>
+                                          </p:val>
+                                        </p:tav>
+                                        <p:tav tm="100000">
+                                          <p:val>
+                                            <p:strVal val="#ppt_x"/>
+                                          </p:val>
+                                        </p:tav>
+                                      </p:tavLst>
+                                    </p:anim>
+                                    <p:anim calcmode="lin" valueType="num">
+                                      <p:cBhvr additive="base">
+                                        <p:cTn id="14" dur="500" fill="hold"/>
+                                        <p:tgtEl>
+                                          <p:spTgt spid="4">
+                                            <p:txEl>
+                                              <p:pRg st="1" end="1"/>
+                                            </p:txEl>
+                                          </p:spTgt>
+                                        </p:tgtEl>
+                                        <p:attrNameLst>
+                                          <p:attrName>ppt_y</p:attrName>
+                                        </p:attrNameLst>
+                                      </p:cBhvr>
+                                      <p:tavLst>
+                                        <p:tav tm="0">
+                                          <p:val>
+                                            <p:strVal val="1+#ppt_h/2"/>
+                                          </p:val>
+                                        </p:tav>
+                                        <p:tav tm="100000">
+                                          <p:val>
+                                            <p:strVal val="#ppt_y"/>
+                                          </p:val>
+                                        </p:tav>
+                                      </p:tavLst>
+                                    </p:anim>
+                                  </p:childTnLst>
+                                </p:cTn>
+                              </p:par>
+                            </p:childTnLst>
+                          </p:cTn>
+                        </p:par>
+                      </p:childTnLst>
+                    </p:cTn>
+                  </p:par>
+                </p:childTnLst>
+              </p:cTn>
+              <p:prevCondLst>
+                <p:cond evt="onPrev" delay="0">
+                  <p:tgtEl>
+                    <p:sldTgt/>
+                  </p:tgtEl>
+                </p:cond>
+              </p:prevCondLst>
+              <p:nextCondLst>
+                <p:cond evt="onNext" delay="0">
+                  <p:tgtEl>
+                    <p:sldTgt/>
+                  </p:tgtEl>
+                </p:cond>
+              </p:nextCondLst>
+            </p:seq>
+          </p:childTnLst>
+        </p:cTn>
+      </p:par>
+    </p:tnLst>
+    <p:bldLst>
+      <p:bldP spid="4" grpId="0" uiExpand="1" build="p"/>
+    </p:bldLst>
+  </p:timing>
+</p:sld>
+</file>
+
+<file path=ppt/slides/slide21.xml><?xml version="1.0" encoding="utf-8"?>
+<p:sld xmlns:a="http://schemas.openxmlformats.org/drawingml/2006/main" xmlns:r="http://schemas.openxmlformats.org/officeDocument/2006/relationships" xmlns:p="http://schemas.openxmlformats.org/presentationml/2006/main">
+  <p:cSld>
+    <p:spTree>
+      <p:nvGrpSpPr>
+        <p:cNvPr id="1" name=""/>
+        <p:cNvGrpSpPr/>
+        <p:nvPr/>
+      </p:nvGrpSpPr>
+      <p:grpSpPr>
+        <a:xfrm>
+          <a:off x="0" y="0"/>
+          <a:ext cx="0" cy="0"/>
+          <a:chOff x="0" y="0"/>
+          <a:chExt cx="0" cy="0"/>
+        </a:xfrm>
+      </p:grpSpPr>
+      <p:sp>
+        <p:nvSpPr>
+          <p:cNvPr id="2" name="Title 1"/>
+          <p:cNvSpPr>
+            <a:spLocks noGrp="1"/>
+          </p:cNvSpPr>
+          <p:nvPr>
+            <p:ph type="title"/>
+          </p:nvPr>
+        </p:nvSpPr>
+        <p:spPr/>
+        <p:txBody>
+          <a:bodyPr/>
+          <a:lstStyle/>
+          <a:p>
+            <a:r>
               <a:rPr lang="ru-RU" dirty="0"/>
               <a:t>Что почитать?</a:t>
             </a:r>
@@ -10159,7 +10699,7 @@
 </p:sld>
 </file>
 
-<file path=ppt/slides/slide21.xml><?xml version="1.0" encoding="utf-8"?>
+<file path=ppt/slides/slide22.xml><?xml version="1.0" encoding="utf-8"?>
 <p:sld xmlns:a="http://schemas.openxmlformats.org/drawingml/2006/main" xmlns:r="http://schemas.openxmlformats.org/officeDocument/2006/relationships" xmlns:p="http://schemas.openxmlformats.org/presentationml/2006/main">
   <p:cSld>
     <p:spTree>
@@ -10540,7 +11080,7 @@
 </p:sld>
 </file>
 
-<file path=ppt/slides/slide22.xml><?xml version="1.0" encoding="utf-8"?>
+<file path=ppt/slides/slide23.xml><?xml version="1.0" encoding="utf-8"?>
 <p:sld xmlns:a="http://schemas.openxmlformats.org/drawingml/2006/main" xmlns:r="http://schemas.openxmlformats.org/officeDocument/2006/relationships" xmlns:p="http://schemas.openxmlformats.org/presentationml/2006/main">
   <p:cSld>
     <p:spTree>
@@ -10741,7 +11281,11 @@
             </a:r>
             <a:r>
               <a:rPr lang="ru-RU" sz="2400" dirty="0"/>
-              <a:t>моя почта (неожиданно)</a:t>
+              <a:t>мой </a:t>
+            </a:r>
+            <a:r>
+              <a:rPr lang="en-US" sz="2400" dirty="0"/>
+              <a:t>email</a:t>
             </a:r>
             <a:endParaRPr lang="ru-RU" sz="2400" dirty="0"/>
           </a:p>
@@ -11812,6 +12356,525 @@
           <a:lstStyle/>
           <a:p>
             <a:r>
+              <a:rPr lang="ru-RU" dirty="0"/>
+              <a:t>Зачем это нужно?</a:t>
+            </a:r>
+            <a:endParaRPr lang="en-US" dirty="0"/>
+          </a:p>
+        </p:txBody>
+      </p:sp>
+      <p:sp>
+        <p:nvSpPr>
+          <p:cNvPr id="3" name="Content Placeholder 2"/>
+          <p:cNvSpPr>
+            <a:spLocks noGrp="1"/>
+          </p:cNvSpPr>
+          <p:nvPr>
+            <p:ph idx="1"/>
+          </p:nvPr>
+        </p:nvSpPr>
+        <p:spPr>
+          <a:xfrm>
+            <a:off x="604432" y="2532184"/>
+            <a:ext cx="11587567" cy="3244362"/>
+          </a:xfrm>
+        </p:spPr>
+        <p:txBody>
+          <a:bodyPr>
+            <a:noAutofit/>
+          </a:bodyPr>
+          <a:lstStyle/>
+          <a:p>
+            <a:pPr marL="285750" indent="-285750">
+              <a:buFont typeface="Arial" panose="020B0604020202020204" pitchFamily="34" charset="0"/>
+              <a:buChar char="•"/>
+            </a:pPr>
+            <a:r>
+              <a:rPr lang="ru-RU" sz="2400" dirty="0">
+                <a:solidFill>
+                  <a:schemeClr val="tx1"/>
+                </a:solidFill>
+              </a:rPr>
+              <a:t>Большее количество работы меньшим количеством потоков</a:t>
+            </a:r>
+          </a:p>
+          <a:p>
+            <a:pPr marL="285750" indent="-285750">
+              <a:buFont typeface="Arial" panose="020B0604020202020204" pitchFamily="34" charset="0"/>
+              <a:buChar char="•"/>
+            </a:pPr>
+            <a:r>
+              <a:rPr lang="ru-RU" sz="2400" dirty="0">
+                <a:solidFill>
+                  <a:schemeClr val="tx1"/>
+                </a:solidFill>
+              </a:rPr>
+              <a:t>Уменьшение нагрузки на </a:t>
+            </a:r>
+            <a:r>
+              <a:rPr lang="en-US" sz="2400" dirty="0" err="1">
+                <a:solidFill>
+                  <a:schemeClr val="tx1"/>
+                </a:solidFill>
+              </a:rPr>
+              <a:t>Thread.Pool</a:t>
+            </a:r>
+            <a:endParaRPr lang="en-US" sz="2400" dirty="0">
+              <a:solidFill>
+                <a:schemeClr val="tx1"/>
+              </a:solidFill>
+            </a:endParaRPr>
+          </a:p>
+          <a:p>
+            <a:pPr marL="285750" indent="-285750">
+              <a:buFont typeface="Arial" panose="020B0604020202020204" pitchFamily="34" charset="0"/>
+              <a:buChar char="•"/>
+            </a:pPr>
+            <a:r>
+              <a:rPr lang="ru-RU" sz="2400" dirty="0">
+                <a:solidFill>
+                  <a:schemeClr val="tx1"/>
+                </a:solidFill>
+              </a:rPr>
+              <a:t>В </a:t>
+            </a:r>
+            <a:r>
+              <a:rPr lang="en-US" sz="2400" dirty="0">
+                <a:solidFill>
+                  <a:schemeClr val="tx1"/>
+                </a:solidFill>
+              </a:rPr>
+              <a:t>UI</a:t>
+            </a:r>
+            <a:r>
+              <a:rPr lang="ru-RU" sz="2400" dirty="0">
+                <a:solidFill>
+                  <a:schemeClr val="tx1"/>
+                </a:solidFill>
+              </a:rPr>
+              <a:t>-приложениях позволяет нам строить интерфейсы с более сильным </a:t>
+            </a:r>
+            <a:r>
+              <a:rPr lang="en-US" sz="2400" dirty="0">
+                <a:solidFill>
+                  <a:schemeClr val="tx1"/>
+                </a:solidFill>
+              </a:rPr>
+              <a:t>UX</a:t>
+            </a:r>
+          </a:p>
+          <a:p>
+            <a:endParaRPr lang="en-US" dirty="0">
+              <a:solidFill>
+                <a:schemeClr val="tx1"/>
+              </a:solidFill>
+            </a:endParaRPr>
+          </a:p>
+          <a:p>
+            <a:endParaRPr lang="en-US" sz="1500" dirty="0">
+              <a:solidFill>
+                <a:schemeClr val="tx1"/>
+              </a:solidFill>
+            </a:endParaRPr>
+          </a:p>
+        </p:txBody>
+      </p:sp>
+    </p:spTree>
+    <p:extLst>
+      <p:ext uri="{BB962C8B-B14F-4D97-AF65-F5344CB8AC3E}">
+        <p14:creationId xmlns:p14="http://schemas.microsoft.com/office/powerpoint/2010/main" val="286939253"/>
+      </p:ext>
+    </p:extLst>
+  </p:cSld>
+  <p:clrMapOvr>
+    <a:masterClrMapping/>
+  </p:clrMapOvr>
+  <mc:AlternateContent xmlns:mc="http://schemas.openxmlformats.org/markup-compatibility/2006" xmlns:p14="http://schemas.microsoft.com/office/powerpoint/2010/main">
+    <mc:Choice Requires="p14">
+      <p:transition p14:dur="10"/>
+    </mc:Choice>
+    <mc:Fallback xmlns="">
+      <p:transition/>
+    </mc:Fallback>
+  </mc:AlternateContent>
+  <p:timing>
+    <p:tnLst>
+      <p:par>
+        <p:cTn id="1" dur="indefinite" restart="never" nodeType="tmRoot">
+          <p:childTnLst>
+            <p:seq concurrent="1" nextAc="seek">
+              <p:cTn id="2" dur="indefinite" nodeType="mainSeq">
+                <p:childTnLst>
+                  <p:par>
+                    <p:cTn id="3" fill="hold">
+                      <p:stCondLst>
+                        <p:cond delay="indefinite"/>
+                      </p:stCondLst>
+                      <p:childTnLst>
+                        <p:par>
+                          <p:cTn id="4" fill="hold">
+                            <p:stCondLst>
+                              <p:cond delay="0"/>
+                            </p:stCondLst>
+                            <p:childTnLst>
+                              <p:par>
+                                <p:cTn id="5" presetID="2" presetClass="entr" presetSubtype="4" fill="hold" grpId="0" nodeType="clickEffect">
+                                  <p:stCondLst>
+                                    <p:cond delay="0"/>
+                                  </p:stCondLst>
+                                  <p:childTnLst>
+                                    <p:set>
+                                      <p:cBhvr>
+                                        <p:cTn id="6" dur="1" fill="hold">
+                                          <p:stCondLst>
+                                            <p:cond delay="0"/>
+                                          </p:stCondLst>
+                                        </p:cTn>
+                                        <p:tgtEl>
+                                          <p:spTgt spid="3">
+                                            <p:txEl>
+                                              <p:pRg st="0" end="0"/>
+                                            </p:txEl>
+                                          </p:spTgt>
+                                        </p:tgtEl>
+                                        <p:attrNameLst>
+                                          <p:attrName>style.visibility</p:attrName>
+                                        </p:attrNameLst>
+                                      </p:cBhvr>
+                                      <p:to>
+                                        <p:strVal val="visible"/>
+                                      </p:to>
+                                    </p:set>
+                                    <p:anim calcmode="lin" valueType="num">
+                                      <p:cBhvr additive="base">
+                                        <p:cTn id="7" dur="500" fill="hold"/>
+                                        <p:tgtEl>
+                                          <p:spTgt spid="3">
+                                            <p:txEl>
+                                              <p:pRg st="0" end="0"/>
+                                            </p:txEl>
+                                          </p:spTgt>
+                                        </p:tgtEl>
+                                        <p:attrNameLst>
+                                          <p:attrName>ppt_x</p:attrName>
+                                        </p:attrNameLst>
+                                      </p:cBhvr>
+                                      <p:tavLst>
+                                        <p:tav tm="0">
+                                          <p:val>
+                                            <p:strVal val="#ppt_x"/>
+                                          </p:val>
+                                        </p:tav>
+                                        <p:tav tm="100000">
+                                          <p:val>
+                                            <p:strVal val="#ppt_x"/>
+                                          </p:val>
+                                        </p:tav>
+                                      </p:tavLst>
+                                    </p:anim>
+                                    <p:anim calcmode="lin" valueType="num">
+                                      <p:cBhvr additive="base">
+                                        <p:cTn id="8" dur="500" fill="hold"/>
+                                        <p:tgtEl>
+                                          <p:spTgt spid="3">
+                                            <p:txEl>
+                                              <p:pRg st="0" end="0"/>
+                                            </p:txEl>
+                                          </p:spTgt>
+                                        </p:tgtEl>
+                                        <p:attrNameLst>
+                                          <p:attrName>ppt_y</p:attrName>
+                                        </p:attrNameLst>
+                                      </p:cBhvr>
+                                      <p:tavLst>
+                                        <p:tav tm="0">
+                                          <p:val>
+                                            <p:strVal val="1+#ppt_h/2"/>
+                                          </p:val>
+                                        </p:tav>
+                                        <p:tav tm="100000">
+                                          <p:val>
+                                            <p:strVal val="#ppt_y"/>
+                                          </p:val>
+                                        </p:tav>
+                                      </p:tavLst>
+                                    </p:anim>
+                                  </p:childTnLst>
+                                </p:cTn>
+                              </p:par>
+                            </p:childTnLst>
+                          </p:cTn>
+                        </p:par>
+                      </p:childTnLst>
+                    </p:cTn>
+                  </p:par>
+                  <p:par>
+                    <p:cTn id="9" fill="hold">
+                      <p:stCondLst>
+                        <p:cond delay="indefinite"/>
+                      </p:stCondLst>
+                      <p:childTnLst>
+                        <p:par>
+                          <p:cTn id="10" fill="hold">
+                            <p:stCondLst>
+                              <p:cond delay="0"/>
+                            </p:stCondLst>
+                            <p:childTnLst>
+                              <p:par>
+                                <p:cTn id="11" presetID="2" presetClass="entr" presetSubtype="4" fill="hold" grpId="0" nodeType="clickEffect">
+                                  <p:stCondLst>
+                                    <p:cond delay="0"/>
+                                  </p:stCondLst>
+                                  <p:childTnLst>
+                                    <p:set>
+                                      <p:cBhvr>
+                                        <p:cTn id="12" dur="1" fill="hold">
+                                          <p:stCondLst>
+                                            <p:cond delay="0"/>
+                                          </p:stCondLst>
+                                        </p:cTn>
+                                        <p:tgtEl>
+                                          <p:spTgt spid="3">
+                                            <p:txEl>
+                                              <p:pRg st="1" end="1"/>
+                                            </p:txEl>
+                                          </p:spTgt>
+                                        </p:tgtEl>
+                                        <p:attrNameLst>
+                                          <p:attrName>style.visibility</p:attrName>
+                                        </p:attrNameLst>
+                                      </p:cBhvr>
+                                      <p:to>
+                                        <p:strVal val="visible"/>
+                                      </p:to>
+                                    </p:set>
+                                    <p:anim calcmode="lin" valueType="num">
+                                      <p:cBhvr additive="base">
+                                        <p:cTn id="13" dur="500" fill="hold"/>
+                                        <p:tgtEl>
+                                          <p:spTgt spid="3">
+                                            <p:txEl>
+                                              <p:pRg st="1" end="1"/>
+                                            </p:txEl>
+                                          </p:spTgt>
+                                        </p:tgtEl>
+                                        <p:attrNameLst>
+                                          <p:attrName>ppt_x</p:attrName>
+                                        </p:attrNameLst>
+                                      </p:cBhvr>
+                                      <p:tavLst>
+                                        <p:tav tm="0">
+                                          <p:val>
+                                            <p:strVal val="#ppt_x"/>
+                                          </p:val>
+                                        </p:tav>
+                                        <p:tav tm="100000">
+                                          <p:val>
+                                            <p:strVal val="#ppt_x"/>
+                                          </p:val>
+                                        </p:tav>
+                                      </p:tavLst>
+                                    </p:anim>
+                                    <p:anim calcmode="lin" valueType="num">
+                                      <p:cBhvr additive="base">
+                                        <p:cTn id="14" dur="500" fill="hold"/>
+                                        <p:tgtEl>
+                                          <p:spTgt spid="3">
+                                            <p:txEl>
+                                              <p:pRg st="1" end="1"/>
+                                            </p:txEl>
+                                          </p:spTgt>
+                                        </p:tgtEl>
+                                        <p:attrNameLst>
+                                          <p:attrName>ppt_y</p:attrName>
+                                        </p:attrNameLst>
+                                      </p:cBhvr>
+                                      <p:tavLst>
+                                        <p:tav tm="0">
+                                          <p:val>
+                                            <p:strVal val="1+#ppt_h/2"/>
+                                          </p:val>
+                                        </p:tav>
+                                        <p:tav tm="100000">
+                                          <p:val>
+                                            <p:strVal val="#ppt_y"/>
+                                          </p:val>
+                                        </p:tav>
+                                      </p:tavLst>
+                                    </p:anim>
+                                  </p:childTnLst>
+                                </p:cTn>
+                              </p:par>
+                            </p:childTnLst>
+                          </p:cTn>
+                        </p:par>
+                      </p:childTnLst>
+                    </p:cTn>
+                  </p:par>
+                  <p:par>
+                    <p:cTn id="15" fill="hold">
+                      <p:stCondLst>
+                        <p:cond delay="indefinite"/>
+                      </p:stCondLst>
+                      <p:childTnLst>
+                        <p:par>
+                          <p:cTn id="16" fill="hold">
+                            <p:stCondLst>
+                              <p:cond delay="0"/>
+                            </p:stCondLst>
+                            <p:childTnLst>
+                              <p:par>
+                                <p:cTn id="17" presetID="2" presetClass="entr" presetSubtype="4" fill="hold" grpId="0" nodeType="clickEffect">
+                                  <p:stCondLst>
+                                    <p:cond delay="0"/>
+                                  </p:stCondLst>
+                                  <p:childTnLst>
+                                    <p:set>
+                                      <p:cBhvr>
+                                        <p:cTn id="18" dur="1" fill="hold">
+                                          <p:stCondLst>
+                                            <p:cond delay="0"/>
+                                          </p:stCondLst>
+                                        </p:cTn>
+                                        <p:tgtEl>
+                                          <p:spTgt spid="3">
+                                            <p:txEl>
+                                              <p:pRg st="2" end="2"/>
+                                            </p:txEl>
+                                          </p:spTgt>
+                                        </p:tgtEl>
+                                        <p:attrNameLst>
+                                          <p:attrName>style.visibility</p:attrName>
+                                        </p:attrNameLst>
+                                      </p:cBhvr>
+                                      <p:to>
+                                        <p:strVal val="visible"/>
+                                      </p:to>
+                                    </p:set>
+                                    <p:anim calcmode="lin" valueType="num">
+                                      <p:cBhvr additive="base">
+                                        <p:cTn id="19" dur="500" fill="hold"/>
+                                        <p:tgtEl>
+                                          <p:spTgt spid="3">
+                                            <p:txEl>
+                                              <p:pRg st="2" end="2"/>
+                                            </p:txEl>
+                                          </p:spTgt>
+                                        </p:tgtEl>
+                                        <p:attrNameLst>
+                                          <p:attrName>ppt_x</p:attrName>
+                                        </p:attrNameLst>
+                                      </p:cBhvr>
+                                      <p:tavLst>
+                                        <p:tav tm="0">
+                                          <p:val>
+                                            <p:strVal val="#ppt_x"/>
+                                          </p:val>
+                                        </p:tav>
+                                        <p:tav tm="100000">
+                                          <p:val>
+                                            <p:strVal val="#ppt_x"/>
+                                          </p:val>
+                                        </p:tav>
+                                      </p:tavLst>
+                                    </p:anim>
+                                    <p:anim calcmode="lin" valueType="num">
+                                      <p:cBhvr additive="base">
+                                        <p:cTn id="20" dur="500" fill="hold"/>
+                                        <p:tgtEl>
+                                          <p:spTgt spid="3">
+                                            <p:txEl>
+                                              <p:pRg st="2" end="2"/>
+                                            </p:txEl>
+                                          </p:spTgt>
+                                        </p:tgtEl>
+                                        <p:attrNameLst>
+                                          <p:attrName>ppt_y</p:attrName>
+                                        </p:attrNameLst>
+                                      </p:cBhvr>
+                                      <p:tavLst>
+                                        <p:tav tm="0">
+                                          <p:val>
+                                            <p:strVal val="1+#ppt_h/2"/>
+                                          </p:val>
+                                        </p:tav>
+                                        <p:tav tm="100000">
+                                          <p:val>
+                                            <p:strVal val="#ppt_y"/>
+                                          </p:val>
+                                        </p:tav>
+                                      </p:tavLst>
+                                    </p:anim>
+                                  </p:childTnLst>
+                                </p:cTn>
+                              </p:par>
+                            </p:childTnLst>
+                          </p:cTn>
+                        </p:par>
+                      </p:childTnLst>
+                    </p:cTn>
+                  </p:par>
+                </p:childTnLst>
+              </p:cTn>
+              <p:prevCondLst>
+                <p:cond evt="onPrev" delay="0">
+                  <p:tgtEl>
+                    <p:sldTgt/>
+                  </p:tgtEl>
+                </p:cond>
+              </p:prevCondLst>
+              <p:nextCondLst>
+                <p:cond evt="onNext" delay="0">
+                  <p:tgtEl>
+                    <p:sldTgt/>
+                  </p:tgtEl>
+                </p:cond>
+              </p:nextCondLst>
+            </p:seq>
+          </p:childTnLst>
+        </p:cTn>
+      </p:par>
+    </p:tnLst>
+    <p:bldLst>
+      <p:bldP spid="3" grpId="0" uiExpand="1" build="p"/>
+    </p:bldLst>
+  </p:timing>
+</p:sld>
+</file>
+
+<file path=ppt/slides/slide5.xml><?xml version="1.0" encoding="utf-8"?>
+<p:sld xmlns:a="http://schemas.openxmlformats.org/drawingml/2006/main" xmlns:r="http://schemas.openxmlformats.org/officeDocument/2006/relationships" xmlns:p="http://schemas.openxmlformats.org/presentationml/2006/main">
+  <p:cSld>
+    <p:spTree>
+      <p:nvGrpSpPr>
+        <p:cNvPr id="1" name=""/>
+        <p:cNvGrpSpPr/>
+        <p:nvPr/>
+      </p:nvGrpSpPr>
+      <p:grpSpPr>
+        <a:xfrm>
+          <a:off x="0" y="0"/>
+          <a:ext cx="0" cy="0"/>
+          <a:chOff x="0" y="0"/>
+          <a:chExt cx="0" cy="0"/>
+        </a:xfrm>
+      </p:grpSpPr>
+      <p:sp>
+        <p:nvSpPr>
+          <p:cNvPr id="2" name="Title 1"/>
+          <p:cNvSpPr>
+            <a:spLocks noGrp="1"/>
+          </p:cNvSpPr>
+          <p:nvPr>
+            <p:ph type="title"/>
+          </p:nvPr>
+        </p:nvSpPr>
+        <p:spPr/>
+        <p:txBody>
+          <a:bodyPr/>
+          <a:lstStyle/>
+          <a:p>
+            <a:r>
               <a:rPr lang="ru-RU" dirty="0" err="1"/>
               <a:t>Покапитаним</a:t>
             </a:r>
@@ -12758,7 +13821,7 @@
 </p:sld>
 </file>
 
-<file path=ppt/slides/slide5.xml><?xml version="1.0" encoding="utf-8"?>
+<file path=ppt/slides/slide6.xml><?xml version="1.0" encoding="utf-8"?>
 <p:sld xmlns:a="http://schemas.openxmlformats.org/drawingml/2006/main" xmlns:r="http://schemas.openxmlformats.org/officeDocument/2006/relationships" xmlns:p="http://schemas.openxmlformats.org/presentationml/2006/main">
   <p:cSld>
     <p:spTree>
@@ -12844,7 +13907,7 @@
 </p:sld>
 </file>
 
-<file path=ppt/slides/slide6.xml><?xml version="1.0" encoding="utf-8"?>
+<file path=ppt/slides/slide7.xml><?xml version="1.0" encoding="utf-8"?>
 <p:sld xmlns:a="http://schemas.openxmlformats.org/drawingml/2006/main" xmlns:r="http://schemas.openxmlformats.org/officeDocument/2006/relationships" xmlns:p="http://schemas.openxmlformats.org/presentationml/2006/main">
   <p:cSld>
     <p:spTree>
@@ -13587,7 +14650,7 @@
 </p:sld>
 </file>
 
-<file path=ppt/slides/slide7.xml><?xml version="1.0" encoding="utf-8"?>
+<file path=ppt/slides/slide8.xml><?xml version="1.0" encoding="utf-8"?>
 <p:sld xmlns:a="http://schemas.openxmlformats.org/drawingml/2006/main" xmlns:r="http://schemas.openxmlformats.org/officeDocument/2006/relationships" xmlns:p="http://schemas.openxmlformats.org/presentationml/2006/main">
   <p:cSld>
     <p:spTree>
@@ -14239,7 +15302,7 @@
 </p:sld>
 </file>
 
-<file path=ppt/slides/slide8.xml><?xml version="1.0" encoding="utf-8"?>
+<file path=ppt/slides/slide9.xml><?xml version="1.0" encoding="utf-8"?>
 <p:sld xmlns:a="http://schemas.openxmlformats.org/drawingml/2006/main" xmlns:r="http://schemas.openxmlformats.org/officeDocument/2006/relationships" xmlns:p="http://schemas.openxmlformats.org/presentationml/2006/main">
   <p:cSld>
     <p:spTree>
@@ -15168,460 +16231,6 @@
 </p:sld>
 </file>
 
-<file path=ppt/slides/slide9.xml><?xml version="1.0" encoding="utf-8"?>
-<p:sld xmlns:a="http://schemas.openxmlformats.org/drawingml/2006/main" xmlns:r="http://schemas.openxmlformats.org/officeDocument/2006/relationships" xmlns:p="http://schemas.openxmlformats.org/presentationml/2006/main">
-  <p:cSld>
-    <p:spTree>
-      <p:nvGrpSpPr>
-        <p:cNvPr id="1" name=""/>
-        <p:cNvGrpSpPr/>
-        <p:nvPr/>
-      </p:nvGrpSpPr>
-      <p:grpSpPr>
-        <a:xfrm>
-          <a:off x="0" y="0"/>
-          <a:ext cx="0" cy="0"/>
-          <a:chOff x="0" y="0"/>
-          <a:chExt cx="0" cy="0"/>
-        </a:xfrm>
-      </p:grpSpPr>
-      <p:sp>
-        <p:nvSpPr>
-          <p:cNvPr id="2" name="Title 1"/>
-          <p:cNvSpPr>
-            <a:spLocks noGrp="1"/>
-          </p:cNvSpPr>
-          <p:nvPr>
-            <p:ph type="title"/>
-          </p:nvPr>
-        </p:nvSpPr>
-        <p:spPr/>
-        <p:txBody>
-          <a:bodyPr/>
-          <a:lstStyle/>
-          <a:p>
-            <a:r>
-              <a:rPr lang="ru-RU" dirty="0"/>
-              <a:t>Зачем это нужно на сервере?</a:t>
-            </a:r>
-            <a:endParaRPr lang="en-US" dirty="0"/>
-          </a:p>
-        </p:txBody>
-      </p:sp>
-      <p:pic>
-        <p:nvPicPr>
-          <p:cNvPr id="6" name="Рисунок 5"/>
-          <p:cNvPicPr>
-            <a:picLocks noChangeAspect="1"/>
-          </p:cNvPicPr>
-          <p:nvPr/>
-        </p:nvPicPr>
-        <p:blipFill>
-          <a:blip r:embed="rId3">
-            <a:extLst>
-              <a:ext uri="{28A0092B-C50C-407E-A947-70E740481C1C}">
-                <a14:useLocalDpi xmlns:a14="http://schemas.microsoft.com/office/drawing/2010/main" val="0"/>
-              </a:ext>
-            </a:extLst>
-          </a:blip>
-          <a:stretch>
-            <a:fillRect/>
-          </a:stretch>
-        </p:blipFill>
-        <p:spPr>
-          <a:xfrm>
-            <a:off x="756834" y="1734483"/>
-            <a:ext cx="4396250" cy="1566164"/>
-          </a:xfrm>
-          <a:prstGeom prst="rect">
-            <a:avLst/>
-          </a:prstGeom>
-        </p:spPr>
-      </p:pic>
-      <p:pic>
-        <p:nvPicPr>
-          <p:cNvPr id="8" name="Рисунок 7"/>
-          <p:cNvPicPr>
-            <a:picLocks noChangeAspect="1"/>
-          </p:cNvPicPr>
-          <p:nvPr/>
-        </p:nvPicPr>
-        <p:blipFill>
-          <a:blip r:embed="rId4">
-            <a:extLst>
-              <a:ext uri="{28A0092B-C50C-407E-A947-70E740481C1C}">
-                <a14:useLocalDpi xmlns:a14="http://schemas.microsoft.com/office/drawing/2010/main" val="0"/>
-              </a:ext>
-            </a:extLst>
-          </a:blip>
-          <a:stretch>
-            <a:fillRect/>
-          </a:stretch>
-        </p:blipFill>
-        <p:spPr>
-          <a:xfrm>
-            <a:off x="6957551" y="1696108"/>
-            <a:ext cx="4396250" cy="1604539"/>
-          </a:xfrm>
-          <a:prstGeom prst="rect">
-            <a:avLst/>
-          </a:prstGeom>
-        </p:spPr>
-      </p:pic>
-      <p:pic>
-        <p:nvPicPr>
-          <p:cNvPr id="11" name="Рисунок 10"/>
-          <p:cNvPicPr>
-            <a:picLocks noChangeAspect="1"/>
-          </p:cNvPicPr>
-          <p:nvPr/>
-        </p:nvPicPr>
-        <p:blipFill>
-          <a:blip r:embed="rId5">
-            <a:extLst>
-              <a:ext uri="{28A0092B-C50C-407E-A947-70E740481C1C}">
-                <a14:useLocalDpi xmlns:a14="http://schemas.microsoft.com/office/drawing/2010/main" val="0"/>
-              </a:ext>
-            </a:extLst>
-          </a:blip>
-          <a:stretch>
-            <a:fillRect/>
-          </a:stretch>
-        </p:blipFill>
-        <p:spPr>
-          <a:xfrm>
-            <a:off x="3737279" y="4437380"/>
-            <a:ext cx="4589318" cy="1587500"/>
-          </a:xfrm>
-          <a:prstGeom prst="rect">
-            <a:avLst/>
-          </a:prstGeom>
-        </p:spPr>
-      </p:pic>
-    </p:spTree>
-    <p:extLst>
-      <p:ext uri="{BB962C8B-B14F-4D97-AF65-F5344CB8AC3E}">
-        <p14:creationId xmlns:p14="http://schemas.microsoft.com/office/powerpoint/2010/main" val="3448476597"/>
-      </p:ext>
-    </p:extLst>
-  </p:cSld>
-  <p:clrMapOvr>
-    <a:masterClrMapping/>
-  </p:clrMapOvr>
-  <p:timing>
-    <p:tnLst>
-      <p:par>
-        <p:cTn id="1" dur="indefinite" restart="never" nodeType="tmRoot">
-          <p:childTnLst>
-            <p:seq concurrent="1" nextAc="seek">
-              <p:cTn id="2" dur="indefinite" nodeType="mainSeq">
-                <p:childTnLst>
-                  <p:par>
-                    <p:cTn id="3" fill="hold">
-                      <p:stCondLst>
-                        <p:cond delay="indefinite"/>
-                      </p:stCondLst>
-                      <p:childTnLst>
-                        <p:par>
-                          <p:cTn id="4" fill="hold">
-                            <p:stCondLst>
-                              <p:cond delay="0"/>
-                            </p:stCondLst>
-                            <p:childTnLst>
-                              <p:par>
-                                <p:cTn id="5" presetID="2" presetClass="entr" presetSubtype="4" fill="hold" nodeType="clickEffect">
-                                  <p:stCondLst>
-                                    <p:cond delay="0"/>
-                                  </p:stCondLst>
-                                  <p:childTnLst>
-                                    <p:set>
-                                      <p:cBhvr>
-                                        <p:cTn id="6" dur="1" fill="hold">
-                                          <p:stCondLst>
-                                            <p:cond delay="0"/>
-                                          </p:stCondLst>
-                                        </p:cTn>
-                                        <p:tgtEl>
-                                          <p:spTgt spid="6"/>
-                                        </p:tgtEl>
-                                        <p:attrNameLst>
-                                          <p:attrName>style.visibility</p:attrName>
-                                        </p:attrNameLst>
-                                      </p:cBhvr>
-                                      <p:to>
-                                        <p:strVal val="visible"/>
-                                      </p:to>
-                                    </p:set>
-                                    <p:anim calcmode="lin" valueType="num">
-                                      <p:cBhvr additive="base">
-                                        <p:cTn id="7" dur="500" fill="hold"/>
-                                        <p:tgtEl>
-                                          <p:spTgt spid="6"/>
-                                        </p:tgtEl>
-                                        <p:attrNameLst>
-                                          <p:attrName>ppt_x</p:attrName>
-                                        </p:attrNameLst>
-                                      </p:cBhvr>
-                                      <p:tavLst>
-                                        <p:tav tm="0">
-                                          <p:val>
-                                            <p:strVal val="#ppt_x"/>
-                                          </p:val>
-                                        </p:tav>
-                                        <p:tav tm="100000">
-                                          <p:val>
-                                            <p:strVal val="#ppt_x"/>
-                                          </p:val>
-                                        </p:tav>
-                                      </p:tavLst>
-                                    </p:anim>
-                                    <p:anim calcmode="lin" valueType="num">
-                                      <p:cBhvr additive="base">
-                                        <p:cTn id="8" dur="500" fill="hold"/>
-                                        <p:tgtEl>
-                                          <p:spTgt spid="6"/>
-                                        </p:tgtEl>
-                                        <p:attrNameLst>
-                                          <p:attrName>ppt_y</p:attrName>
-                                        </p:attrNameLst>
-                                      </p:cBhvr>
-                                      <p:tavLst>
-                                        <p:tav tm="0">
-                                          <p:val>
-                                            <p:strVal val="1+#ppt_h/2"/>
-                                          </p:val>
-                                        </p:tav>
-                                        <p:tav tm="100000">
-                                          <p:val>
-                                            <p:strVal val="#ppt_y"/>
-                                          </p:val>
-                                        </p:tav>
-                                      </p:tavLst>
-                                    </p:anim>
-                                  </p:childTnLst>
-                                </p:cTn>
-                              </p:par>
-                            </p:childTnLst>
-                          </p:cTn>
-                        </p:par>
-                      </p:childTnLst>
-                    </p:cTn>
-                  </p:par>
-                  <p:par>
-                    <p:cTn id="9" fill="hold">
-                      <p:stCondLst>
-                        <p:cond delay="indefinite"/>
-                      </p:stCondLst>
-                      <p:childTnLst>
-                        <p:par>
-                          <p:cTn id="10" fill="hold">
-                            <p:stCondLst>
-                              <p:cond delay="0"/>
-                            </p:stCondLst>
-                            <p:childTnLst>
-                              <p:par>
-                                <p:cTn id="11" presetID="2" presetClass="entr" presetSubtype="4" fill="hold" nodeType="clickEffect">
-                                  <p:stCondLst>
-                                    <p:cond delay="0"/>
-                                  </p:stCondLst>
-                                  <p:childTnLst>
-                                    <p:set>
-                                      <p:cBhvr>
-                                        <p:cTn id="12" dur="1" fill="hold">
-                                          <p:stCondLst>
-                                            <p:cond delay="0"/>
-                                          </p:stCondLst>
-                                        </p:cTn>
-                                        <p:tgtEl>
-                                          <p:spTgt spid="8"/>
-                                        </p:tgtEl>
-                                        <p:attrNameLst>
-                                          <p:attrName>style.visibility</p:attrName>
-                                        </p:attrNameLst>
-                                      </p:cBhvr>
-                                      <p:to>
-                                        <p:strVal val="visible"/>
-                                      </p:to>
-                                    </p:set>
-                                    <p:anim calcmode="lin" valueType="num">
-                                      <p:cBhvr additive="base">
-                                        <p:cTn id="13" dur="500" fill="hold"/>
-                                        <p:tgtEl>
-                                          <p:spTgt spid="8"/>
-                                        </p:tgtEl>
-                                        <p:attrNameLst>
-                                          <p:attrName>ppt_x</p:attrName>
-                                        </p:attrNameLst>
-                                      </p:cBhvr>
-                                      <p:tavLst>
-                                        <p:tav tm="0">
-                                          <p:val>
-                                            <p:strVal val="#ppt_x"/>
-                                          </p:val>
-                                        </p:tav>
-                                        <p:tav tm="100000">
-                                          <p:val>
-                                            <p:strVal val="#ppt_x"/>
-                                          </p:val>
-                                        </p:tav>
-                                      </p:tavLst>
-                                    </p:anim>
-                                    <p:anim calcmode="lin" valueType="num">
-                                      <p:cBhvr additive="base">
-                                        <p:cTn id="14" dur="500" fill="hold"/>
-                                        <p:tgtEl>
-                                          <p:spTgt spid="8"/>
-                                        </p:tgtEl>
-                                        <p:attrNameLst>
-                                          <p:attrName>ppt_y</p:attrName>
-                                        </p:attrNameLst>
-                                      </p:cBhvr>
-                                      <p:tavLst>
-                                        <p:tav tm="0">
-                                          <p:val>
-                                            <p:strVal val="1+#ppt_h/2"/>
-                                          </p:val>
-                                        </p:tav>
-                                        <p:tav tm="100000">
-                                          <p:val>
-                                            <p:strVal val="#ppt_y"/>
-                                          </p:val>
-                                        </p:tav>
-                                      </p:tavLst>
-                                    </p:anim>
-                                  </p:childTnLst>
-                                </p:cTn>
-                              </p:par>
-                            </p:childTnLst>
-                          </p:cTn>
-                        </p:par>
-                      </p:childTnLst>
-                    </p:cTn>
-                  </p:par>
-                  <p:par>
-                    <p:cTn id="15" fill="hold">
-                      <p:stCondLst>
-                        <p:cond delay="indefinite"/>
-                      </p:stCondLst>
-                      <p:childTnLst>
-                        <p:par>
-                          <p:cTn id="16" fill="hold">
-                            <p:stCondLst>
-                              <p:cond delay="0"/>
-                            </p:stCondLst>
-                            <p:childTnLst>
-                              <p:par>
-                                <p:cTn id="17" presetID="42" presetClass="entr" presetSubtype="0" fill="hold" nodeType="clickEffect">
-                                  <p:stCondLst>
-                                    <p:cond delay="0"/>
-                                  </p:stCondLst>
-                                  <p:childTnLst>
-                                    <p:set>
-                                      <p:cBhvr>
-                                        <p:cTn id="18" dur="1" fill="hold">
-                                          <p:stCondLst>
-                                            <p:cond delay="0"/>
-                                          </p:stCondLst>
-                                        </p:cTn>
-                                        <p:tgtEl>
-                                          <p:spTgt spid="11"/>
-                                        </p:tgtEl>
-                                        <p:attrNameLst>
-                                          <p:attrName>style.visibility</p:attrName>
-                                        </p:attrNameLst>
-                                      </p:cBhvr>
-                                      <p:to>
-                                        <p:strVal val="visible"/>
-                                      </p:to>
-                                    </p:set>
-                                    <p:animEffect transition="in" filter="fade">
-                                      <p:cBhvr>
-                                        <p:cTn id="19" dur="1000"/>
-                                        <p:tgtEl>
-                                          <p:spTgt spid="11"/>
-                                        </p:tgtEl>
-                                      </p:cBhvr>
-                                    </p:animEffect>
-                                    <p:anim calcmode="lin" valueType="num">
-                                      <p:cBhvr>
-                                        <p:cTn id="20" dur="1000" fill="hold"/>
-                                        <p:tgtEl>
-                                          <p:spTgt spid="11"/>
-                                        </p:tgtEl>
-                                        <p:attrNameLst>
-                                          <p:attrName>ppt_x</p:attrName>
-                                        </p:attrNameLst>
-                                      </p:cBhvr>
-                                      <p:tavLst>
-                                        <p:tav tm="0">
-                                          <p:val>
-                                            <p:strVal val="#ppt_x"/>
-                                          </p:val>
-                                        </p:tav>
-                                        <p:tav tm="100000">
-                                          <p:val>
-                                            <p:strVal val="#ppt_x"/>
-                                          </p:val>
-                                        </p:tav>
-                                      </p:tavLst>
-                                    </p:anim>
-                                    <p:anim calcmode="lin" valueType="num">
-                                      <p:cBhvr>
-                                        <p:cTn id="21" dur="1000" fill="hold"/>
-                                        <p:tgtEl>
-                                          <p:spTgt spid="11"/>
-                                        </p:tgtEl>
-                                        <p:attrNameLst>
-                                          <p:attrName>ppt_y</p:attrName>
-                                        </p:attrNameLst>
-                                      </p:cBhvr>
-                                      <p:tavLst>
-                                        <p:tav tm="0">
-                                          <p:val>
-                                            <p:strVal val="#ppt_y+.1"/>
-                                          </p:val>
-                                        </p:tav>
-                                        <p:tav tm="100000">
-                                          <p:val>
-                                            <p:strVal val="#ppt_y"/>
-                                          </p:val>
-                                        </p:tav>
-                                      </p:tavLst>
-                                    </p:anim>
-                                  </p:childTnLst>
-                                </p:cTn>
-                              </p:par>
-                            </p:childTnLst>
-                          </p:cTn>
-                        </p:par>
-                      </p:childTnLst>
-                    </p:cTn>
-                  </p:par>
-                </p:childTnLst>
-              </p:cTn>
-              <p:prevCondLst>
-                <p:cond evt="onPrev" delay="0">
-                  <p:tgtEl>
-                    <p:sldTgt/>
-                  </p:tgtEl>
-                </p:cond>
-              </p:prevCondLst>
-              <p:nextCondLst>
-                <p:cond evt="onNext" delay="0">
-                  <p:tgtEl>
-                    <p:sldTgt/>
-                  </p:tgtEl>
-                </p:cond>
-              </p:nextCondLst>
-            </p:seq>
-          </p:childTnLst>
-        </p:cTn>
-      </p:par>
-    </p:tnLst>
-  </p:timing>
-</p:sld>
-</file>
-
 <file path=ppt/theme/theme1.xml><?xml version="1.0" encoding="utf-8"?>
 <a:theme xmlns:a="http://schemas.openxmlformats.org/drawingml/2006/main" name="WelcomeDoc">
   <a:themeElements>
